--- a/需求/截止8月6日数据.pptx
+++ b/需求/截止8月6日数据.pptx
@@ -5,7 +5,7 @@
     <p:sldMasterId id="2147483648" r:id="rId1"/>
   </p:sldMasterIdLst>
   <p:notesMasterIdLst>
-    <p:notesMasterId r:id="rId14"/>
+    <p:notesMasterId r:id="rId11"/>
   </p:notesMasterIdLst>
   <p:sldIdLst>
     <p:sldId id="256" r:id="rId2"/>
@@ -17,9 +17,6 @@
     <p:sldId id="277" r:id="rId8"/>
     <p:sldId id="278" r:id="rId9"/>
     <p:sldId id="279" r:id="rId10"/>
-    <p:sldId id="272" r:id="rId11"/>
-    <p:sldId id="273" r:id="rId12"/>
-    <p:sldId id="265" r:id="rId13"/>
   </p:sldIdLst>
   <p:sldSz cx="13004800" cy="9753600"/>
   <p:notesSz cx="6858000" cy="9144000"/>
@@ -409,6 +406,63 @@
             <a:effectLst/>
           </c:spPr>
           <c:invertIfNegative val="0"/>
+          <c:dLbls>
+            <c:spPr>
+              <a:noFill/>
+              <a:ln>
+                <a:noFill/>
+              </a:ln>
+              <a:effectLst/>
+            </c:spPr>
+            <c:txPr>
+              <a:bodyPr rot="0" spcFirstLastPara="1" vertOverflow="ellipsis" vert="horz" wrap="square" lIns="38100" tIns="19050" rIns="38100" bIns="19050" anchor="ctr" anchorCtr="1">
+                <a:spAutoFit/>
+              </a:bodyPr>
+              <a:lstStyle/>
+              <a:p>
+                <a:pPr>
+                  <a:defRPr sz="1197" b="0" i="0" u="none" strike="noStrike" kern="1200" baseline="0">
+                    <a:solidFill>
+                      <a:schemeClr val="bg2">
+                        <a:lumMod val="50000"/>
+                      </a:schemeClr>
+                    </a:solidFill>
+                    <a:latin typeface="+mn-lt"/>
+                    <a:ea typeface="+mn-ea"/>
+                    <a:cs typeface="+mn-cs"/>
+                  </a:defRPr>
+                </a:pPr>
+                <a:endParaRPr lang="zh-CN"/>
+              </a:p>
+            </c:txPr>
+            <c:showLegendKey val="0"/>
+            <c:showVal val="1"/>
+            <c:showCatName val="0"/>
+            <c:showSerName val="0"/>
+            <c:showPercent val="0"/>
+            <c:showBubbleSize val="0"/>
+            <c:showLeaderLines val="0"/>
+            <c:extLst>
+              <c:ext xmlns:c15="http://schemas.microsoft.com/office/drawing/2012/chart" uri="{CE6537A1-D6FC-4f65-9D91-7224C49458BB}">
+                <c15:layout/>
+                <c15:showLeaderLines val="1"/>
+                <c15:leaderLines>
+                  <c:spPr>
+                    <a:ln w="9525" cap="flat" cmpd="sng" algn="ctr">
+                      <a:solidFill>
+                        <a:schemeClr val="tx1">
+                          <a:lumMod val="35000"/>
+                          <a:lumOff val="65000"/>
+                        </a:schemeClr>
+                      </a:solidFill>
+                      <a:round/>
+                    </a:ln>
+                    <a:effectLst/>
+                  </c:spPr>
+                </c15:leaderLines>
+              </c:ext>
+            </c:extLst>
+          </c:dLbls>
           <c:cat>
             <c:strRef>
               <c:f>工作表1!$A$2:$A$11</c:f>
@@ -454,34 +508,34 @@
                 <c:formatCode>h:mm:ss</c:formatCode>
                 <c:ptCount val="10"/>
                 <c:pt idx="0">
-                  <c:v>0.00469444444444444</c:v>
+                  <c:v>4.6944444444444403E-3</c:v>
                 </c:pt>
                 <c:pt idx="1">
-                  <c:v>0.0046412037037037</c:v>
+                  <c:v>4.6412037037037003E-3</c:v>
                 </c:pt>
                 <c:pt idx="2">
-                  <c:v>0.00403240740740741</c:v>
+                  <c:v>4.0324074074074099E-3</c:v>
                 </c:pt>
                 <c:pt idx="3">
-                  <c:v>0.00384027777777778</c:v>
+                  <c:v>3.8402777777777801E-3</c:v>
                 </c:pt>
                 <c:pt idx="4">
-                  <c:v>0.003203125</c:v>
+                  <c:v>3.2031249999999998E-3</c:v>
                 </c:pt>
                 <c:pt idx="5">
-                  <c:v>0.00306018518518518</c:v>
+                  <c:v>3.0601851851851801E-3</c:v>
                 </c:pt>
                 <c:pt idx="6">
-                  <c:v>0.00296296296296296</c:v>
+                  <c:v>2.9629629629629602E-3</c:v>
                 </c:pt>
                 <c:pt idx="7">
-                  <c:v>0.00290740740740741</c:v>
+                  <c:v>2.9074074074074102E-3</c:v>
                 </c:pt>
                 <c:pt idx="8">
-                  <c:v>0.00276851851851852</c:v>
+                  <c:v>2.76851851851852E-3</c:v>
                 </c:pt>
                 <c:pt idx="9">
-                  <c:v>0.00264814814814815</c:v>
+                  <c:v>2.6481481481481499E-3</c:v>
                 </c:pt>
               </c:numCache>
             </c:numRef>
@@ -496,11 +550,11 @@
           <c:showBubbleSize val="0"/>
         </c:dLbls>
         <c:gapWidth val="150"/>
-        <c:axId val="1158112160"/>
-        <c:axId val="1296229152"/>
+        <c:axId val="221266368"/>
+        <c:axId val="221265808"/>
       </c:barChart>
       <c:valAx>
-        <c:axId val="1296229152"/>
+        <c:axId val="221265808"/>
         <c:scaling>
           <c:orientation val="minMax"/>
         </c:scaling>
@@ -527,7 +581,11 @@
         <c:spPr>
           <a:noFill/>
           <a:ln>
-            <a:noFill/>
+            <a:solidFill>
+              <a:schemeClr val="tx1">
+                <a:lumMod val="85000"/>
+              </a:schemeClr>
+            </a:solidFill>
           </a:ln>
           <a:effectLst/>
         </c:spPr>
@@ -538,9 +596,7 @@
             <a:pPr>
               <a:defRPr sz="1600" b="0" i="0" u="none" strike="noStrike" kern="1200" baseline="0">
                 <a:solidFill>
-                  <a:schemeClr val="bg2">
-                    <a:lumMod val="50000"/>
-                  </a:schemeClr>
+                  <a:schemeClr val="tx1"/>
                 </a:solidFill>
                 <a:latin typeface="SimHei" charset="-122"/>
                 <a:ea typeface="SimHei" charset="-122"/>
@@ -550,11 +606,12 @@
             <a:endParaRPr lang="zh-CN"/>
           </a:p>
         </c:txPr>
-        <c:crossAx val="1158112160"/>
+        <c:crossAx val="221266368"/>
+        <c:crosses val="autoZero"/>
         <c:crossBetween val="between"/>
       </c:valAx>
       <c:catAx>
-        <c:axId val="1158112160"/>
+        <c:axId val="221266368"/>
         <c:scaling>
           <c:orientation val="minMax"/>
         </c:scaling>
@@ -584,9 +641,7 @@
             <a:pPr>
               <a:defRPr sz="1800" b="0" i="0" u="none" strike="noStrike" kern="1200" baseline="0">
                 <a:solidFill>
-                  <a:schemeClr val="bg2">
-                    <a:lumMod val="50000"/>
-                  </a:schemeClr>
+                  <a:schemeClr val="tx1"/>
                 </a:solidFill>
                 <a:latin typeface="SimHei" charset="-122"/>
                 <a:ea typeface="SimHei" charset="-122"/>
@@ -596,7 +651,8 @@
             <a:endParaRPr lang="zh-CN"/>
           </a:p>
         </c:txPr>
-        <c:crossAx val="1296229152"/>
+        <c:crossAx val="221265808"/>
+        <c:crosses val="autoZero"/>
         <c:auto val="1"/>
         <c:lblAlgn val="ctr"/>
         <c:lblOffset val="100"/>
@@ -616,45 +672,12 @@
         <a:effectLst/>
       </c:spPr>
     </c:plotArea>
-    <c:legend>
-      <c:legendPos val="b"/>
-      <c:layout/>
-      <c:overlay val="0"/>
-      <c:spPr>
-        <a:noFill/>
-        <a:ln>
-          <a:noFill/>
-        </a:ln>
-        <a:effectLst/>
-      </c:spPr>
-      <c:txPr>
-        <a:bodyPr rot="0" spcFirstLastPara="1" vertOverflow="ellipsis" vert="horz" wrap="square" anchor="ctr" anchorCtr="1"/>
-        <a:lstStyle/>
-        <a:p>
-          <a:pPr>
-            <a:defRPr sz="1197" b="0" i="0" u="none" strike="noStrike" kern="1200" baseline="0">
-              <a:solidFill>
-                <a:schemeClr val="bg2">
-                  <a:lumMod val="50000"/>
-                </a:schemeClr>
-              </a:solidFill>
-              <a:latin typeface="+mn-lt"/>
-              <a:ea typeface="+mn-ea"/>
-              <a:cs typeface="+mn-cs"/>
-            </a:defRPr>
-          </a:pPr>
-          <a:endParaRPr lang="zh-CN"/>
-        </a:p>
-      </c:txPr>
-    </c:legend>
     <c:plotVisOnly val="1"/>
     <c:dispBlanksAs val="gap"/>
     <c:showDLblsOverMax val="0"/>
   </c:chart>
   <c:spPr>
-    <a:solidFill>
-      <a:schemeClr val="tx1"/>
-    </a:solidFill>
+    <a:noFill/>
     <a:ln>
       <a:noFill/>
     </a:ln>
@@ -734,10 +757,10 @@
           <c:layoutTarget val="inner"/>
           <c:xMode val="edge"/>
           <c:yMode val="edge"/>
-          <c:x val="0.078524742490172"/>
-          <c:y val="0.0636895096949314"/>
-          <c:w val="0.905089319173829"/>
-          <c:h val="0.636260211198226"/>
+          <c:x val="7.8524742490171995E-2"/>
+          <c:y val="6.3689509694931395E-2"/>
+          <c:w val="0.90508931917382895"/>
+          <c:h val="0.63626021119822596"/>
         </c:manualLayout>
       </c:layout>
       <c:barChart>
@@ -882,46 +905,46 @@
                 <c:formatCode>h:mm:ss</c:formatCode>
                 <c:ptCount val="14"/>
                 <c:pt idx="0">
-                  <c:v>0.0025462962962963</c:v>
+                  <c:v>2.5462962962963E-3</c:v>
                 </c:pt>
                 <c:pt idx="1">
-                  <c:v>0.00225462962962963</c:v>
+                  <c:v>2.2546296296296299E-3</c:v>
                 </c:pt>
                 <c:pt idx="2">
-                  <c:v>0.00219675925925926</c:v>
+                  <c:v>2.1967592592592598E-3</c:v>
                 </c:pt>
                 <c:pt idx="3">
-                  <c:v>0.00203240740740741</c:v>
+                  <c:v>2.0324074074074099E-3</c:v>
                 </c:pt>
                 <c:pt idx="4">
-                  <c:v>0.0019837962962963</c:v>
+                  <c:v>1.9837962962962999E-3</c:v>
                 </c:pt>
                 <c:pt idx="5">
-                  <c:v>0.00186342592592593</c:v>
+                  <c:v>1.86342592592593E-3</c:v>
                 </c:pt>
                 <c:pt idx="6">
-                  <c:v>0.00182638888888889</c:v>
+                  <c:v>1.82638888888889E-3</c:v>
                 </c:pt>
                 <c:pt idx="7">
-                  <c:v>0.00169907407407407</c:v>
+                  <c:v>1.6990740740740701E-3</c:v>
                 </c:pt>
                 <c:pt idx="8">
-                  <c:v>0.00168055555555556</c:v>
+                  <c:v>1.6805555555555599E-3</c:v>
                 </c:pt>
                 <c:pt idx="9">
-                  <c:v>0.00164814814814815</c:v>
+                  <c:v>1.6481481481481501E-3</c:v>
                 </c:pt>
                 <c:pt idx="10">
-                  <c:v>0.00157262731481481</c:v>
+                  <c:v>1.5726273148148099E-3</c:v>
                 </c:pt>
                 <c:pt idx="11">
-                  <c:v>0.00156944444444444</c:v>
+                  <c:v>1.5694444444444399E-3</c:v>
                 </c:pt>
                 <c:pt idx="12">
-                  <c:v>0.0012037037037037</c:v>
+                  <c:v>1.2037037037037001E-3</c:v>
                 </c:pt>
                 <c:pt idx="13">
-                  <c:v>0.00115046296296296</c:v>
+                  <c:v>1.1504629629629599E-3</c:v>
                 </c:pt>
               </c:numCache>
             </c:numRef>
@@ -937,11 +960,11 @@
         </c:dLbls>
         <c:gapWidth val="219"/>
         <c:overlap val="-27"/>
-        <c:axId val="1158212704"/>
-        <c:axId val="1158679152"/>
+        <c:axId val="221268608"/>
+        <c:axId val="221223056"/>
       </c:barChart>
       <c:catAx>
-        <c:axId val="1158212704"/>
+        <c:axId val="221268608"/>
         <c:scaling>
           <c:orientation val="minMax"/>
         </c:scaling>
@@ -984,7 +1007,7 @@
             <a:endParaRPr lang="zh-CN"/>
           </a:p>
         </c:txPr>
-        <c:crossAx val="1158679152"/>
+        <c:crossAx val="221223056"/>
         <c:crosses val="autoZero"/>
         <c:auto val="1"/>
         <c:lblAlgn val="ctr"/>
@@ -992,7 +1015,7 @@
         <c:noMultiLvlLbl val="0"/>
       </c:catAx>
       <c:valAx>
-        <c:axId val="1158679152"/>
+        <c:axId val="221223056"/>
         <c:scaling>
           <c:orientation val="minMax"/>
         </c:scaling>
@@ -1043,7 +1066,7 @@
             <a:endParaRPr lang="zh-CN"/>
           </a:p>
         </c:txPr>
-        <c:crossAx val="1158212704"/>
+        <c:crossAx val="221268608"/>
         <c:crosses val="autoZero"/>
         <c:crossBetween val="between"/>
       </c:valAx>
@@ -1057,49 +1080,12 @@
         <a:effectLst/>
       </c:spPr>
     </c:plotArea>
-    <c:legend>
-      <c:legendPos val="b"/>
-      <c:layout/>
-      <c:overlay val="0"/>
-      <c:spPr>
-        <a:noFill/>
-        <a:ln>
-          <a:noFill/>
-        </a:ln>
-        <a:effectLst/>
-      </c:spPr>
-      <c:txPr>
-        <a:bodyPr rot="0" spcFirstLastPara="1" vertOverflow="ellipsis" vert="horz" wrap="square" anchor="ctr" anchorCtr="1"/>
-        <a:lstStyle/>
-        <a:p>
-          <a:pPr>
-            <a:defRPr sz="1197" b="0" i="0" u="none" strike="noStrike" kern="1200" baseline="0">
-              <a:solidFill>
-                <a:schemeClr val="tx1">
-                  <a:lumMod val="65000"/>
-                  <a:lumOff val="35000"/>
-                </a:schemeClr>
-              </a:solidFill>
-              <a:latin typeface="+mn-lt"/>
-              <a:ea typeface="+mn-ea"/>
-              <a:cs typeface="+mn-cs"/>
-            </a:defRPr>
-          </a:pPr>
-          <a:endParaRPr lang="zh-CN"/>
-        </a:p>
-      </c:txPr>
-    </c:legend>
     <c:plotVisOnly val="1"/>
     <c:dispBlanksAs val="gap"/>
     <c:showDLblsOverMax val="0"/>
   </c:chart>
   <c:spPr>
-    <a:solidFill>
-      <a:schemeClr val="bg2">
-        <a:lumMod val="40000"/>
-        <a:lumOff val="60000"/>
-      </a:schemeClr>
-    </a:solidFill>
+    <a:noFill/>
     <a:ln>
       <a:noFill/>
     </a:ln>
@@ -1197,6 +1183,61 @@
             <a:effectLst/>
           </c:spPr>
           <c:invertIfNegative val="0"/>
+          <c:dLbls>
+            <c:spPr>
+              <a:noFill/>
+              <a:ln>
+                <a:noFill/>
+              </a:ln>
+              <a:effectLst/>
+            </c:spPr>
+            <c:txPr>
+              <a:bodyPr rot="0" spcFirstLastPara="1" vertOverflow="ellipsis" vert="horz" wrap="square" lIns="38100" tIns="19050" rIns="38100" bIns="19050" anchor="ctr" anchorCtr="1">
+                <a:spAutoFit/>
+              </a:bodyPr>
+              <a:lstStyle/>
+              <a:p>
+                <a:pPr>
+                  <a:defRPr sz="1197" b="0" i="0" u="none" strike="noStrike" kern="1200" baseline="0">
+                    <a:solidFill>
+                      <a:srgbClr val="002060"/>
+                    </a:solidFill>
+                    <a:latin typeface="+mn-lt"/>
+                    <a:ea typeface="+mn-ea"/>
+                    <a:cs typeface="+mn-cs"/>
+                  </a:defRPr>
+                </a:pPr>
+                <a:endParaRPr lang="zh-CN"/>
+              </a:p>
+            </c:txPr>
+            <c:showLegendKey val="0"/>
+            <c:showVal val="1"/>
+            <c:showCatName val="0"/>
+            <c:showSerName val="0"/>
+            <c:showPercent val="0"/>
+            <c:showBubbleSize val="0"/>
+            <c:showLeaderLines val="0"/>
+            <c:extLst>
+              <c:ext xmlns:c15="http://schemas.microsoft.com/office/drawing/2012/chart" uri="{CE6537A1-D6FC-4f65-9D91-7224C49458BB}">
+                <c15:layout/>
+                <c15:showLeaderLines val="1"/>
+                <c15:leaderLines>
+                  <c:spPr>
+                    <a:ln w="9525" cap="flat" cmpd="sng" algn="ctr">
+                      <a:solidFill>
+                        <a:schemeClr val="tx1">
+                          <a:lumMod val="35000"/>
+                          <a:lumOff val="65000"/>
+                        </a:schemeClr>
+                      </a:solidFill>
+                      <a:round/>
+                    </a:ln>
+                    <a:effectLst/>
+                  </c:spPr>
+                </c15:leaderLines>
+              </c:ext>
+            </c:extLst>
+          </c:dLbls>
           <c:cat>
             <c:strRef>
               <c:f>工作表1!$A$2:$A$11</c:f>
@@ -1242,34 +1283,34 @@
                 <c:formatCode>General</c:formatCode>
                 <c:ptCount val="10"/>
                 <c:pt idx="0">
-                  <c:v>153.0</c:v>
+                  <c:v>153</c:v>
                 </c:pt>
                 <c:pt idx="1">
-                  <c:v>91.0</c:v>
+                  <c:v>91</c:v>
                 </c:pt>
                 <c:pt idx="2">
-                  <c:v>82.0</c:v>
+                  <c:v>82</c:v>
                 </c:pt>
                 <c:pt idx="3">
-                  <c:v>60.0</c:v>
+                  <c:v>60</c:v>
                 </c:pt>
                 <c:pt idx="4">
-                  <c:v>50.0</c:v>
+                  <c:v>50</c:v>
                 </c:pt>
                 <c:pt idx="5">
-                  <c:v>40.0</c:v>
+                  <c:v>40</c:v>
                 </c:pt>
                 <c:pt idx="6">
-                  <c:v>39.0</c:v>
+                  <c:v>39</c:v>
                 </c:pt>
                 <c:pt idx="7">
-                  <c:v>37.0</c:v>
+                  <c:v>37</c:v>
                 </c:pt>
                 <c:pt idx="8">
-                  <c:v>37.0</c:v>
+                  <c:v>37</c:v>
                 </c:pt>
                 <c:pt idx="9">
-                  <c:v>30.0</c:v>
+                  <c:v>30</c:v>
                 </c:pt>
               </c:numCache>
             </c:numRef>
@@ -1285,11 +1326,11 @@
         </c:dLbls>
         <c:gapWidth val="219"/>
         <c:overlap val="-27"/>
-        <c:axId val="1523220320"/>
-        <c:axId val="1523118368"/>
+        <c:axId val="220922000"/>
+        <c:axId val="220922560"/>
       </c:barChart>
       <c:catAx>
-        <c:axId val="1523220320"/>
+        <c:axId val="220922000"/>
         <c:scaling>
           <c:orientation val="minMax"/>
         </c:scaling>
@@ -1317,7 +1358,7 @@
           <a:lstStyle/>
           <a:p>
             <a:pPr>
-              <a:defRPr sz="1197" b="0" i="0" u="none" strike="noStrike" kern="1200" baseline="0">
+              <a:defRPr sz="2000" b="0" i="0" u="none" strike="noStrike" kern="1200" baseline="0">
                 <a:solidFill>
                   <a:schemeClr val="tx1">
                     <a:lumMod val="65000"/>
@@ -1332,7 +1373,7 @@
             <a:endParaRPr lang="zh-CN"/>
           </a:p>
         </c:txPr>
-        <c:crossAx val="1523118368"/>
+        <c:crossAx val="220922560"/>
         <c:crosses val="autoZero"/>
         <c:auto val="1"/>
         <c:lblAlgn val="ctr"/>
@@ -1340,7 +1381,7 @@
         <c:noMultiLvlLbl val="0"/>
       </c:catAx>
       <c:valAx>
-        <c:axId val="1523118368"/>
+        <c:axId val="220922560"/>
         <c:scaling>
           <c:orientation val="minMax"/>
         </c:scaling>
@@ -1376,7 +1417,7 @@
           <a:lstStyle/>
           <a:p>
             <a:pPr>
-              <a:defRPr sz="1197" b="0" i="0" u="none" strike="noStrike" kern="1200" baseline="0">
+              <a:defRPr sz="1800" b="0" i="0" u="none" strike="noStrike" kern="1200" baseline="0">
                 <a:solidFill>
                   <a:schemeClr val="tx1">
                     <a:lumMod val="65000"/>
@@ -1391,12 +1432,14 @@
             <a:endParaRPr lang="zh-CN"/>
           </a:p>
         </c:txPr>
-        <c:crossAx val="1523220320"/>
+        <c:crossAx val="220922000"/>
         <c:crosses val="autoZero"/>
         <c:crossBetween val="between"/>
       </c:valAx>
       <c:spPr>
-        <a:noFill/>
+        <a:solidFill>
+          <a:schemeClr val="tx1"/>
+        </a:solidFill>
         <a:ln>
           <a:noFill/>
         </a:ln>
@@ -1538,6 +1581,61 @@
             <a:effectLst/>
           </c:spPr>
           <c:invertIfNegative val="0"/>
+          <c:dLbls>
+            <c:spPr>
+              <a:noFill/>
+              <a:ln>
+                <a:noFill/>
+              </a:ln>
+              <a:effectLst/>
+            </c:spPr>
+            <c:txPr>
+              <a:bodyPr rot="0" spcFirstLastPara="1" vertOverflow="ellipsis" vert="horz" wrap="square" lIns="38100" tIns="19050" rIns="38100" bIns="19050" anchor="ctr" anchorCtr="1">
+                <a:spAutoFit/>
+              </a:bodyPr>
+              <a:lstStyle/>
+              <a:p>
+                <a:pPr>
+                  <a:defRPr sz="1197" b="0" i="0" u="none" strike="noStrike" kern="1200" baseline="0">
+                    <a:solidFill>
+                      <a:srgbClr val="002060"/>
+                    </a:solidFill>
+                    <a:latin typeface="+mn-lt"/>
+                    <a:ea typeface="+mn-ea"/>
+                    <a:cs typeface="+mn-cs"/>
+                  </a:defRPr>
+                </a:pPr>
+                <a:endParaRPr lang="zh-CN"/>
+              </a:p>
+            </c:txPr>
+            <c:showLegendKey val="0"/>
+            <c:showVal val="1"/>
+            <c:showCatName val="0"/>
+            <c:showSerName val="0"/>
+            <c:showPercent val="0"/>
+            <c:showBubbleSize val="0"/>
+            <c:showLeaderLines val="0"/>
+            <c:extLst>
+              <c:ext xmlns:c15="http://schemas.microsoft.com/office/drawing/2012/chart" uri="{CE6537A1-D6FC-4f65-9D91-7224C49458BB}">
+                <c15:layout/>
+                <c15:showLeaderLines val="1"/>
+                <c15:leaderLines>
+                  <c:spPr>
+                    <a:ln w="9525" cap="flat" cmpd="sng" algn="ctr">
+                      <a:solidFill>
+                        <a:schemeClr val="tx1">
+                          <a:lumMod val="35000"/>
+                          <a:lumOff val="65000"/>
+                        </a:schemeClr>
+                      </a:solidFill>
+                      <a:round/>
+                    </a:ln>
+                    <a:effectLst/>
+                  </c:spPr>
+                </c15:leaderLines>
+              </c:ext>
+            </c:extLst>
+          </c:dLbls>
           <c:cat>
             <c:strRef>
               <c:f>工作表1!$A$2:$A$15</c:f>
@@ -1595,46 +1693,46 @@
                 <c:formatCode>General</c:formatCode>
                 <c:ptCount val="14"/>
                 <c:pt idx="0">
-                  <c:v>28.0</c:v>
+                  <c:v>28</c:v>
                 </c:pt>
                 <c:pt idx="1">
-                  <c:v>27.0</c:v>
+                  <c:v>27</c:v>
                 </c:pt>
                 <c:pt idx="2">
-                  <c:v>26.0</c:v>
+                  <c:v>26</c:v>
                 </c:pt>
                 <c:pt idx="3">
-                  <c:v>26.0</c:v>
+                  <c:v>26</c:v>
                 </c:pt>
                 <c:pt idx="4">
-                  <c:v>24.0</c:v>
+                  <c:v>24</c:v>
                 </c:pt>
                 <c:pt idx="5">
-                  <c:v>21.0</c:v>
+                  <c:v>21</c:v>
                 </c:pt>
                 <c:pt idx="6">
-                  <c:v>19.0</c:v>
+                  <c:v>19</c:v>
                 </c:pt>
                 <c:pt idx="7">
-                  <c:v>18.0</c:v>
+                  <c:v>18</c:v>
                 </c:pt>
                 <c:pt idx="8">
-                  <c:v>15.0</c:v>
+                  <c:v>15</c:v>
                 </c:pt>
                 <c:pt idx="9">
-                  <c:v>14.0</c:v>
+                  <c:v>14</c:v>
                 </c:pt>
                 <c:pt idx="10">
-                  <c:v>12.0</c:v>
+                  <c:v>12</c:v>
                 </c:pt>
                 <c:pt idx="11">
-                  <c:v>11.0</c:v>
+                  <c:v>11</c:v>
                 </c:pt>
                 <c:pt idx="12">
-                  <c:v>7.0</c:v>
+                  <c:v>7</c:v>
                 </c:pt>
                 <c:pt idx="13">
-                  <c:v>3.0</c:v>
+                  <c:v>3</c:v>
                 </c:pt>
               </c:numCache>
             </c:numRef>
@@ -1650,11 +1748,11 @@
         </c:dLbls>
         <c:gapWidth val="219"/>
         <c:overlap val="-27"/>
-        <c:axId val="1148902624"/>
-        <c:axId val="1159998224"/>
+        <c:axId val="220924800"/>
+        <c:axId val="220925360"/>
       </c:barChart>
       <c:catAx>
-        <c:axId val="1148902624"/>
+        <c:axId val="220924800"/>
         <c:scaling>
           <c:orientation val="minMax"/>
         </c:scaling>
@@ -1682,7 +1780,7 @@
           <a:lstStyle/>
           <a:p>
             <a:pPr>
-              <a:defRPr sz="1197" b="0" i="0" u="none" strike="noStrike" kern="1200" baseline="0">
+              <a:defRPr sz="2000" b="0" i="0" u="none" strike="noStrike" kern="1200" baseline="0">
                 <a:solidFill>
                   <a:schemeClr val="tx1">
                     <a:lumMod val="65000"/>
@@ -1697,7 +1795,7 @@
             <a:endParaRPr lang="zh-CN"/>
           </a:p>
         </c:txPr>
-        <c:crossAx val="1159998224"/>
+        <c:crossAx val="220925360"/>
         <c:crosses val="autoZero"/>
         <c:auto val="1"/>
         <c:lblAlgn val="ctr"/>
@@ -1705,7 +1803,7 @@
         <c:noMultiLvlLbl val="0"/>
       </c:catAx>
       <c:valAx>
-        <c:axId val="1159998224"/>
+        <c:axId val="220925360"/>
         <c:scaling>
           <c:orientation val="minMax"/>
         </c:scaling>
@@ -1741,7 +1839,7 @@
           <a:lstStyle/>
           <a:p>
             <a:pPr>
-              <a:defRPr sz="1197" b="0" i="0" u="none" strike="noStrike" kern="1200" baseline="0">
+              <a:defRPr sz="1800" b="0" i="0" u="none" strike="noStrike" kern="1200" baseline="0">
                 <a:solidFill>
                   <a:schemeClr val="tx1">
                     <a:lumMod val="65000"/>
@@ -1756,12 +1854,14 @@
             <a:endParaRPr lang="zh-CN"/>
           </a:p>
         </c:txPr>
-        <c:crossAx val="1148902624"/>
+        <c:crossAx val="220924800"/>
         <c:crosses val="autoZero"/>
         <c:crossBetween val="between"/>
       </c:valAx>
       <c:spPr>
-        <a:noFill/>
+        <a:solidFill>
+          <a:schemeClr val="tx1"/>
+        </a:solidFill>
         <a:ln>
           <a:noFill/>
         </a:ln>
@@ -1874,7 +1974,17 @@
     </c:title>
     <c:autoTitleDeleted val="0"/>
     <c:plotArea>
-      <c:layout/>
+      <c:layout>
+        <c:manualLayout>
+          <c:layoutTarget val="inner"/>
+          <c:xMode val="edge"/>
+          <c:yMode val="edge"/>
+          <c:x val="8.1121985519698722E-2"/>
+          <c:y val="7.8360565882872255E-2"/>
+          <c:w val="0.90304057466569021"/>
+          <c:h val="0.63113067091025354"/>
+        </c:manualLayout>
+      </c:layout>
       <c:barChart>
         <c:barDir val="col"/>
         <c:grouping val="clustered"/>
@@ -1903,6 +2013,61 @@
             <a:effectLst/>
           </c:spPr>
           <c:invertIfNegative val="0"/>
+          <c:dLbls>
+            <c:spPr>
+              <a:noFill/>
+              <a:ln>
+                <a:noFill/>
+              </a:ln>
+              <a:effectLst/>
+            </c:spPr>
+            <c:txPr>
+              <a:bodyPr rot="0" spcFirstLastPara="1" vertOverflow="ellipsis" vert="horz" wrap="square" lIns="38100" tIns="19050" rIns="38100" bIns="19050" anchor="ctr" anchorCtr="1">
+                <a:spAutoFit/>
+              </a:bodyPr>
+              <a:lstStyle/>
+              <a:p>
+                <a:pPr>
+                  <a:defRPr sz="1197" b="0" i="0" u="none" strike="noStrike" kern="1200" baseline="0">
+                    <a:solidFill>
+                      <a:srgbClr val="002060"/>
+                    </a:solidFill>
+                    <a:latin typeface="+mn-lt"/>
+                    <a:ea typeface="+mn-ea"/>
+                    <a:cs typeface="+mn-cs"/>
+                  </a:defRPr>
+                </a:pPr>
+                <a:endParaRPr lang="zh-CN"/>
+              </a:p>
+            </c:txPr>
+            <c:showLegendKey val="0"/>
+            <c:showVal val="1"/>
+            <c:showCatName val="0"/>
+            <c:showSerName val="0"/>
+            <c:showPercent val="0"/>
+            <c:showBubbleSize val="0"/>
+            <c:showLeaderLines val="0"/>
+            <c:extLst>
+              <c:ext xmlns:c15="http://schemas.microsoft.com/office/drawing/2012/chart" uri="{CE6537A1-D6FC-4f65-9D91-7224C49458BB}">
+                <c15:layout/>
+                <c15:showLeaderLines val="1"/>
+                <c15:leaderLines>
+                  <c:spPr>
+                    <a:ln w="9525" cap="flat" cmpd="sng" algn="ctr">
+                      <a:solidFill>
+                        <a:schemeClr val="tx1">
+                          <a:lumMod val="35000"/>
+                          <a:lumOff val="65000"/>
+                        </a:schemeClr>
+                      </a:solidFill>
+                      <a:round/>
+                    </a:ln>
+                    <a:effectLst/>
+                  </c:spPr>
+                </c15:leaderLines>
+              </c:ext>
+            </c:extLst>
+          </c:dLbls>
           <c:cat>
             <c:strRef>
               <c:f>工作表1!$A$2:$A$15</c:f>
@@ -1948,34 +2113,34 @@
                 <c:formatCode>General</c:formatCode>
                 <c:ptCount val="14"/>
                 <c:pt idx="0">
-                  <c:v>419.0</c:v>
+                  <c:v>419</c:v>
                 </c:pt>
                 <c:pt idx="1">
-                  <c:v>297.0</c:v>
+                  <c:v>297</c:v>
                 </c:pt>
                 <c:pt idx="2">
-                  <c:v>192.0</c:v>
+                  <c:v>192</c:v>
                 </c:pt>
                 <c:pt idx="3">
-                  <c:v>171.0</c:v>
+                  <c:v>171</c:v>
                 </c:pt>
                 <c:pt idx="4">
-                  <c:v>170.0</c:v>
+                  <c:v>170</c:v>
                 </c:pt>
                 <c:pt idx="5">
-                  <c:v>108.0</c:v>
+                  <c:v>108</c:v>
                 </c:pt>
                 <c:pt idx="6">
-                  <c:v>92.0</c:v>
+                  <c:v>92</c:v>
                 </c:pt>
                 <c:pt idx="7">
-                  <c:v>86.0</c:v>
+                  <c:v>86</c:v>
                 </c:pt>
                 <c:pt idx="8">
-                  <c:v>75.0</c:v>
+                  <c:v>75</c:v>
                 </c:pt>
                 <c:pt idx="9">
-                  <c:v>68.0</c:v>
+                  <c:v>68</c:v>
                 </c:pt>
               </c:numCache>
             </c:numRef>
@@ -1991,11 +2156,11 @@
         </c:dLbls>
         <c:gapWidth val="219"/>
         <c:overlap val="-27"/>
-        <c:axId val="1160526736"/>
-        <c:axId val="1527653472"/>
+        <c:axId val="220927600"/>
+        <c:axId val="357330512"/>
       </c:barChart>
       <c:catAx>
-        <c:axId val="1160526736"/>
+        <c:axId val="220927600"/>
         <c:scaling>
           <c:orientation val="minMax"/>
         </c:scaling>
@@ -2023,7 +2188,7 @@
           <a:lstStyle/>
           <a:p>
             <a:pPr>
-              <a:defRPr sz="1197" b="0" i="0" u="none" strike="noStrike" kern="1200" baseline="0">
+              <a:defRPr sz="2000" b="0" i="0" u="none" strike="noStrike" kern="1200" baseline="0">
                 <a:solidFill>
                   <a:schemeClr val="tx1">
                     <a:lumMod val="65000"/>
@@ -2038,7 +2203,7 @@
             <a:endParaRPr lang="zh-CN"/>
           </a:p>
         </c:txPr>
-        <c:crossAx val="1527653472"/>
+        <c:crossAx val="357330512"/>
         <c:crosses val="autoZero"/>
         <c:auto val="1"/>
         <c:lblAlgn val="ctr"/>
@@ -2046,7 +2211,7 @@
         <c:noMultiLvlLbl val="0"/>
       </c:catAx>
       <c:valAx>
-        <c:axId val="1527653472"/>
+        <c:axId val="357330512"/>
         <c:scaling>
           <c:orientation val="minMax"/>
         </c:scaling>
@@ -2082,7 +2247,7 @@
           <a:lstStyle/>
           <a:p>
             <a:pPr>
-              <a:defRPr sz="1197" b="0" i="0" u="none" strike="noStrike" kern="1200" baseline="0">
+              <a:defRPr sz="1800" b="0" i="0" u="none" strike="noStrike" kern="1200" baseline="0">
                 <a:solidFill>
                   <a:schemeClr val="tx1">
                     <a:lumMod val="65000"/>
@@ -2097,12 +2262,14 @@
             <a:endParaRPr lang="zh-CN"/>
           </a:p>
         </c:txPr>
-        <c:crossAx val="1160526736"/>
+        <c:crossAx val="220927600"/>
         <c:crosses val="autoZero"/>
         <c:crossBetween val="between"/>
       </c:valAx>
       <c:spPr>
-        <a:noFill/>
+        <a:solidFill>
+          <a:schemeClr val="tx1"/>
+        </a:solidFill>
         <a:ln>
           <a:noFill/>
         </a:ln>
@@ -2244,6 +2411,61 @@
             <a:effectLst/>
           </c:spPr>
           <c:invertIfNegative val="0"/>
+          <c:dLbls>
+            <c:spPr>
+              <a:noFill/>
+              <a:ln>
+                <a:noFill/>
+              </a:ln>
+              <a:effectLst/>
+            </c:spPr>
+            <c:txPr>
+              <a:bodyPr rot="0" spcFirstLastPara="1" vertOverflow="ellipsis" vert="horz" wrap="square" lIns="38100" tIns="19050" rIns="38100" bIns="19050" anchor="ctr" anchorCtr="1">
+                <a:spAutoFit/>
+              </a:bodyPr>
+              <a:lstStyle/>
+              <a:p>
+                <a:pPr>
+                  <a:defRPr sz="1197" b="0" i="0" u="none" strike="noStrike" kern="1200" baseline="0">
+                    <a:solidFill>
+                      <a:srgbClr val="002060"/>
+                    </a:solidFill>
+                    <a:latin typeface="+mn-lt"/>
+                    <a:ea typeface="+mn-ea"/>
+                    <a:cs typeface="+mn-cs"/>
+                  </a:defRPr>
+                </a:pPr>
+                <a:endParaRPr lang="zh-CN"/>
+              </a:p>
+            </c:txPr>
+            <c:showLegendKey val="0"/>
+            <c:showVal val="1"/>
+            <c:showCatName val="0"/>
+            <c:showSerName val="0"/>
+            <c:showPercent val="0"/>
+            <c:showBubbleSize val="0"/>
+            <c:showLeaderLines val="0"/>
+            <c:extLst>
+              <c:ext xmlns:c15="http://schemas.microsoft.com/office/drawing/2012/chart" uri="{CE6537A1-D6FC-4f65-9D91-7224C49458BB}">
+                <c15:layout/>
+                <c15:showLeaderLines val="1"/>
+                <c15:leaderLines>
+                  <c:spPr>
+                    <a:ln w="9525" cap="flat" cmpd="sng" algn="ctr">
+                      <a:solidFill>
+                        <a:schemeClr val="tx1">
+                          <a:lumMod val="35000"/>
+                          <a:lumOff val="65000"/>
+                        </a:schemeClr>
+                      </a:solidFill>
+                      <a:round/>
+                    </a:ln>
+                    <a:effectLst/>
+                  </c:spPr>
+                </c15:leaderLines>
+              </c:ext>
+            </c:extLst>
+          </c:dLbls>
           <c:cat>
             <c:strRef>
               <c:f>工作表1!$A$2:$A$15</c:f>
@@ -2301,46 +2523,46 @@
                 <c:formatCode>General</c:formatCode>
                 <c:ptCount val="14"/>
                 <c:pt idx="0">
-                  <c:v>64.0</c:v>
+                  <c:v>64</c:v>
                 </c:pt>
                 <c:pt idx="1">
-                  <c:v>54.0</c:v>
+                  <c:v>54</c:v>
                 </c:pt>
                 <c:pt idx="2">
-                  <c:v>54.0</c:v>
+                  <c:v>54</c:v>
                 </c:pt>
                 <c:pt idx="3">
-                  <c:v>52.0</c:v>
+                  <c:v>52</c:v>
                 </c:pt>
                 <c:pt idx="4">
-                  <c:v>51.0</c:v>
+                  <c:v>51</c:v>
                 </c:pt>
                 <c:pt idx="5">
-                  <c:v>50.0</c:v>
+                  <c:v>50</c:v>
                 </c:pt>
                 <c:pt idx="6">
-                  <c:v>46.0</c:v>
+                  <c:v>46</c:v>
                 </c:pt>
                 <c:pt idx="7">
-                  <c:v>41.0</c:v>
+                  <c:v>41</c:v>
                 </c:pt>
                 <c:pt idx="8">
-                  <c:v>27.0</c:v>
+                  <c:v>27</c:v>
                 </c:pt>
                 <c:pt idx="9">
-                  <c:v>26.0</c:v>
+                  <c:v>26</c:v>
                 </c:pt>
                 <c:pt idx="10">
-                  <c:v>25.0</c:v>
+                  <c:v>25</c:v>
                 </c:pt>
                 <c:pt idx="11">
-                  <c:v>19.0</c:v>
+                  <c:v>19</c:v>
                 </c:pt>
                 <c:pt idx="12">
-                  <c:v>19.0</c:v>
+                  <c:v>19</c:v>
                 </c:pt>
                 <c:pt idx="13">
-                  <c:v>8.0</c:v>
+                  <c:v>8</c:v>
                 </c:pt>
               </c:numCache>
             </c:numRef>
@@ -2356,11 +2578,11 @@
         </c:dLbls>
         <c:gapWidth val="219"/>
         <c:overlap val="-27"/>
-        <c:axId val="1151117856"/>
-        <c:axId val="1468037376"/>
+        <c:axId val="357334432"/>
+        <c:axId val="357334992"/>
       </c:barChart>
       <c:catAx>
-        <c:axId val="1151117856"/>
+        <c:axId val="357334432"/>
         <c:scaling>
           <c:orientation val="minMax"/>
         </c:scaling>
@@ -2388,7 +2610,7 @@
           <a:lstStyle/>
           <a:p>
             <a:pPr>
-              <a:defRPr sz="1197" b="0" i="0" u="none" strike="noStrike" kern="1200" baseline="0">
+              <a:defRPr sz="2000" b="0" i="0" u="none" strike="noStrike" kern="1200" baseline="0">
                 <a:solidFill>
                   <a:schemeClr val="tx1">
                     <a:lumMod val="65000"/>
@@ -2403,7 +2625,7 @@
             <a:endParaRPr lang="zh-CN"/>
           </a:p>
         </c:txPr>
-        <c:crossAx val="1468037376"/>
+        <c:crossAx val="357334992"/>
         <c:crosses val="autoZero"/>
         <c:auto val="1"/>
         <c:lblAlgn val="ctr"/>
@@ -2411,7 +2633,7 @@
         <c:noMultiLvlLbl val="0"/>
       </c:catAx>
       <c:valAx>
-        <c:axId val="1468037376"/>
+        <c:axId val="357334992"/>
         <c:scaling>
           <c:orientation val="minMax"/>
         </c:scaling>
@@ -2447,7 +2669,7 @@
           <a:lstStyle/>
           <a:p>
             <a:pPr>
-              <a:defRPr sz="1197" b="0" i="0" u="none" strike="noStrike" kern="1200" baseline="0">
+              <a:defRPr sz="1800" b="0" i="0" u="none" strike="noStrike" kern="1200" baseline="0">
                 <a:solidFill>
                   <a:schemeClr val="tx1">
                     <a:lumMod val="65000"/>
@@ -2462,12 +2684,14 @@
             <a:endParaRPr lang="zh-CN"/>
           </a:p>
         </c:txPr>
-        <c:crossAx val="1151117856"/>
+        <c:crossAx val="357334432"/>
         <c:crosses val="autoZero"/>
         <c:crossBetween val="between"/>
       </c:valAx>
       <c:spPr>
-        <a:noFill/>
+        <a:solidFill>
+          <a:schemeClr val="tx1"/>
+        </a:solidFill>
         <a:ln>
           <a:noFill/>
         </a:ln>
@@ -7678,7 +7902,7 @@
           </a:ln>
           <a:extLst>
             <a:ext uri="{C572A759-6A51-4108-AA02-DFA0A04FC94B}">
-              <ma14:wrappingTextBoxFlag xmlns:ma14="http://schemas.microsoft.com/office/mac/drawingml/2011/main" val="1"/>
+              <ma14:wrappingTextBoxFlag xmlns:ma14="http://schemas.microsoft.com/office/mac/drawingml/2011/main" xmlns="" val="1"/>
             </a:ext>
           </a:extLst>
         </p:spPr>
@@ -7717,7 +7941,7 @@
           </a:ln>
           <a:extLst>
             <a:ext uri="{C572A759-6A51-4108-AA02-DFA0A04FC94B}">
-              <ma14:wrappingTextBoxFlag xmlns:ma14="http://schemas.microsoft.com/office/mac/drawingml/2011/main" val="1"/>
+              <ma14:wrappingTextBoxFlag xmlns:ma14="http://schemas.microsoft.com/office/mac/drawingml/2011/main" xmlns="" val="1"/>
             </a:ext>
           </a:extLst>
         </p:spPr>
@@ -8720,24 +8944,24 @@
           </a:lstStyle>
           <a:p>
             <a:r>
-              <a:rPr dirty="0"/>
+              <a:rPr dirty="0" err="1"/>
               <a:t>本次统计时间段为2017</a:t>
             </a:r>
             <a:r>
-              <a:rPr dirty="0" smtClean="0"/>
+              <a:rPr dirty="0" err="1" smtClean="0"/>
               <a:t>年</a:t>
             </a:r>
             <a:r>
-              <a:rPr lang="en-US" altLang="zh-CN" dirty="0" smtClean="0"/>
-              <a:t>6</a:t>
+              <a:rPr lang="en-US" dirty="0" err="1"/>
+              <a:t>7</a:t>
             </a:r>
             <a:r>
-              <a:rPr dirty="0" smtClean="0"/>
+              <a:rPr dirty="0" err="1" smtClean="0"/>
               <a:t>月</a:t>
             </a:r>
             <a:r>
-              <a:rPr lang="en-US" altLang="zh-CN" dirty="0" smtClean="0"/>
-              <a:t>8</a:t>
+              <a:rPr lang="en-US" dirty="0" err="1" smtClean="0"/>
+              <a:t>31</a:t>
             </a:r>
             <a:r>
               <a:rPr lang="zh-CN" altLang="en-US" dirty="0" smtClean="0"/>
@@ -8777,7 +9001,7 @@
         </p:nvSpPr>
         <p:spPr>
           <a:xfrm>
-            <a:off x="3237157" y="4322181"/>
+            <a:off x="2734881" y="4360818"/>
             <a:ext cx="2768729" cy="817741"/>
           </a:xfrm>
           <a:prstGeom prst="rect">
@@ -8788,7 +9012,7 @@
           </a:ln>
           <a:extLst>
             <a:ext uri="{C572A759-6A51-4108-AA02-DFA0A04FC94B}">
-              <ma14:wrappingTextBoxFlag xmlns:ma14="http://schemas.microsoft.com/office/mac/drawingml/2011/main" val="1"/>
+              <ma14:wrappingTextBoxFlag xmlns:ma14="http://schemas.microsoft.com/office/mac/drawingml/2011/main" xmlns="" val="1"/>
             </a:ext>
           </a:extLst>
         </p:spPr>
@@ -9083,7 +9307,7 @@
         </p:nvSpPr>
         <p:spPr>
           <a:xfrm>
-            <a:off x="3237157" y="5219815"/>
+            <a:off x="2734881" y="5258452"/>
             <a:ext cx="3547435" cy="817741"/>
           </a:xfrm>
           <a:prstGeom prst="rect">
@@ -9094,7 +9318,7 @@
           </a:ln>
           <a:extLst>
             <a:ext uri="{C572A759-6A51-4108-AA02-DFA0A04FC94B}">
-              <ma14:wrappingTextBoxFlag xmlns:ma14="http://schemas.microsoft.com/office/mac/drawingml/2011/main" val="1"/>
+              <ma14:wrappingTextBoxFlag xmlns:ma14="http://schemas.microsoft.com/office/mac/drawingml/2011/main" xmlns="" val="1"/>
             </a:ext>
           </a:extLst>
         </p:spPr>
@@ -9385,8 +9609,8 @@
         </p:nvSpPr>
         <p:spPr>
           <a:xfrm>
-            <a:off x="3237157" y="6117449"/>
-            <a:ext cx="3362657" cy="817741"/>
+            <a:off x="2734881" y="6156086"/>
+            <a:ext cx="3859102" cy="817741"/>
           </a:xfrm>
           <a:prstGeom prst="rect">
             <a:avLst/>
@@ -9396,7 +9620,7 @@
           </a:ln>
           <a:extLst>
             <a:ext uri="{C572A759-6A51-4108-AA02-DFA0A04FC94B}">
-              <ma14:wrappingTextBoxFlag xmlns:ma14="http://schemas.microsoft.com/office/mac/drawingml/2011/main" val="1"/>
+              <ma14:wrappingTextBoxFlag xmlns:ma14="http://schemas.microsoft.com/office/mac/drawingml/2011/main" xmlns="" val="1"/>
             </a:ext>
           </a:extLst>
         </p:spPr>
@@ -9671,15 +9895,27 @@
             <a:pPr hangingPunct="1"/>
             <a:r>
               <a:rPr lang="zh-CN" altLang="en-US" sz="3200" b="1" dirty="0" smtClean="0"/>
-              <a:t>三、留存率</a:t>
+              <a:t>三</a:t>
             </a:r>
-            <a:endParaRPr lang="zh-CN" altLang="en-US" sz="3200" b="1" dirty="0"/>
+            <a:r>
+              <a:rPr lang="zh-CN" altLang="en-US" sz="3200" b="1" dirty="0" smtClean="0"/>
+              <a:t>、</a:t>
+            </a:r>
+            <a:r>
+              <a:rPr lang="en-US" altLang="zh-CN" sz="3200" dirty="0"/>
+              <a:t>SKU</a:t>
+            </a:r>
+            <a:r>
+              <a:rPr lang="zh-CN" altLang="en-US" sz="3200" dirty="0"/>
+              <a:t>平均完成时间</a:t>
+            </a:r>
+            <a:endParaRPr lang="zh-CN" altLang="en-US" sz="3200" dirty="0"/>
           </a:p>
         </p:txBody>
       </p:sp>
       <p:sp>
         <p:nvSpPr>
-          <p:cNvPr id="7" name="二、新增用户"/>
+          <p:cNvPr id="11" name="二、新增用户"/>
           <p:cNvSpPr txBox="1">
             <a:spLocks/>
           </p:cNvSpPr>
@@ -9687,8 +9923,8 @@
         </p:nvSpPr>
         <p:spPr>
           <a:xfrm>
-            <a:off x="7245798" y="4307901"/>
-            <a:ext cx="4048974" cy="817741"/>
+            <a:off x="6997789" y="4299232"/>
+            <a:ext cx="3949254" cy="817741"/>
           </a:xfrm>
           <a:prstGeom prst="rect">
             <a:avLst/>
@@ -9698,7 +9934,7 @@
           </a:ln>
           <a:extLst>
             <a:ext uri="{C572A759-6A51-4108-AA02-DFA0A04FC94B}">
-              <ma14:wrappingTextBoxFlag xmlns:ma14="http://schemas.microsoft.com/office/mac/drawingml/2011/main" val="1"/>
+              <ma14:wrappingTextBoxFlag xmlns:ma14="http://schemas.microsoft.com/office/mac/drawingml/2011/main" xmlns="" val="1"/>
             </a:ext>
           </a:extLst>
         </p:spPr>
@@ -9972,8 +10208,20 @@
           <a:p>
             <a:pPr hangingPunct="1"/>
             <a:r>
+              <a:rPr lang="zh-CN" altLang="en-US" sz="3200" b="1" dirty="0"/>
+              <a:t>四</a:t>
+            </a:r>
+            <a:r>
               <a:rPr lang="zh-CN" altLang="en-US" sz="3200" b="1" dirty="0" smtClean="0"/>
-              <a:t>四、终端设备</a:t>
+              <a:t>、</a:t>
+            </a:r>
+            <a:r>
+              <a:rPr lang="en-US" altLang="zh-CN" sz="3200" b="1" dirty="0" smtClean="0"/>
+              <a:t>SKU</a:t>
+            </a:r>
+            <a:r>
+              <a:rPr lang="zh-CN" altLang="en-US" sz="3200" b="1" dirty="0" smtClean="0"/>
+              <a:t>进入用户数量</a:t>
             </a:r>
             <a:endParaRPr lang="zh-CN" altLang="en-US" sz="3200" b="1" dirty="0"/>
           </a:p>
@@ -9981,7 +10229,7 @@
       </p:sp>
       <p:sp>
         <p:nvSpPr>
-          <p:cNvPr id="9" name="二、新增用户"/>
+          <p:cNvPr id="12" name="二、新增用户"/>
           <p:cNvSpPr txBox="1">
             <a:spLocks/>
           </p:cNvSpPr>
@@ -9989,8 +10237,8 @@
         </p:nvSpPr>
         <p:spPr>
           <a:xfrm>
-            <a:off x="7245798" y="5235254"/>
-            <a:ext cx="3817722" cy="817741"/>
+            <a:off x="6997789" y="5338345"/>
+            <a:ext cx="3859102" cy="817741"/>
           </a:xfrm>
           <a:prstGeom prst="rect">
             <a:avLst/>
@@ -10000,7 +10248,7 @@
           </a:ln>
           <a:extLst>
             <a:ext uri="{C572A759-6A51-4108-AA02-DFA0A04FC94B}">
-              <ma14:wrappingTextBoxFlag xmlns:ma14="http://schemas.microsoft.com/office/mac/drawingml/2011/main" val="1"/>
+              <ma14:wrappingTextBoxFlag xmlns:ma14="http://schemas.microsoft.com/office/mac/drawingml/2011/main" xmlns="" val="1"/>
             </a:ext>
           </a:extLst>
         </p:spPr>
@@ -10279,1464 +10527,17 @@
             </a:r>
             <a:r>
               <a:rPr lang="zh-CN" altLang="en-US" sz="3200" b="1" dirty="0" smtClean="0"/>
-              <a:t>、下载渠道</a:t>
-            </a:r>
-            <a:endParaRPr lang="zh-CN" altLang="en-US" sz="3200" b="1" dirty="0"/>
-          </a:p>
-        </p:txBody>
-      </p:sp>
-      <p:sp>
-        <p:nvSpPr>
-          <p:cNvPr id="10" name="六、关卡分析_进入用户数排序"/>
-          <p:cNvSpPr txBox="1">
-            <a:spLocks/>
-          </p:cNvSpPr>
-          <p:nvPr/>
-        </p:nvSpPr>
-        <p:spPr>
-          <a:xfrm>
-            <a:off x="7245798" y="6162607"/>
-            <a:ext cx="4048974" cy="817741"/>
-          </a:xfrm>
-          <a:prstGeom prst="rect">
-            <a:avLst/>
-          </a:prstGeom>
-          <a:ln w="12700">
-            <a:miter lim="400000"/>
-          </a:ln>
-          <a:extLst>
-            <a:ext uri="{C572A759-6A51-4108-AA02-DFA0A04FC94B}">
-              <ma14:wrappingTextBoxFlag xmlns:ma14="http://schemas.microsoft.com/office/mac/drawingml/2011/main" val="1"/>
-            </a:ext>
-          </a:extLst>
-        </p:spPr>
-        <p:txBody>
-          <a:bodyPr lIns="50800" tIns="50800" rIns="50800" bIns="50800" anchor="b">
-            <a:normAutofit fontScale="97500"/>
-          </a:bodyPr>
-          <a:lstStyle>
-            <a:lvl1pPr marL="0" marR="0" indent="0" algn="ctr" defTabSz="584200" rtl="0" latinLnBrk="0">
-              <a:lnSpc>
-                <a:spcPct val="100000"/>
-              </a:lnSpc>
-              <a:spcBef>
-                <a:spcPts val="0"/>
-              </a:spcBef>
-              <a:spcAft>
-                <a:spcPts val="0"/>
-              </a:spcAft>
-              <a:buClrTx/>
-              <a:buSzTx/>
-              <a:buFontTx/>
-              <a:buNone/>
-              <a:tabLst/>
-              <a:defRPr sz="8000" b="0" i="0" u="none" strike="noStrike" cap="none" spc="0" baseline="0">
-                <a:ln>
-                  <a:noFill/>
-                </a:ln>
-                <a:solidFill>
-                  <a:srgbClr val="FFFFFF"/>
-                </a:solidFill>
-                <a:uFillTx/>
-                <a:latin typeface="+mn-lt"/>
-                <a:ea typeface="+mn-ea"/>
-                <a:cs typeface="+mn-cs"/>
-                <a:sym typeface="Helvetica Light"/>
-              </a:defRPr>
-            </a:lvl1pPr>
-            <a:lvl2pPr marL="0" marR="0" indent="228600" algn="ctr" defTabSz="584200" rtl="0" latinLnBrk="0">
-              <a:lnSpc>
-                <a:spcPct val="100000"/>
-              </a:lnSpc>
-              <a:spcBef>
-                <a:spcPts val="0"/>
-              </a:spcBef>
-              <a:spcAft>
-                <a:spcPts val="0"/>
-              </a:spcAft>
-              <a:buClrTx/>
-              <a:buSzTx/>
-              <a:buFontTx/>
-              <a:buNone/>
-              <a:tabLst/>
-              <a:defRPr sz="8000" b="0" i="0" u="none" strike="noStrike" cap="none" spc="0" baseline="0">
-                <a:ln>
-                  <a:noFill/>
-                </a:ln>
-                <a:solidFill>
-                  <a:srgbClr val="FFFFFF"/>
-                </a:solidFill>
-                <a:uFillTx/>
-                <a:latin typeface="+mn-lt"/>
-                <a:ea typeface="+mn-ea"/>
-                <a:cs typeface="+mn-cs"/>
-                <a:sym typeface="Helvetica Light"/>
-              </a:defRPr>
-            </a:lvl2pPr>
-            <a:lvl3pPr marL="0" marR="0" indent="457200" algn="ctr" defTabSz="584200" rtl="0" latinLnBrk="0">
-              <a:lnSpc>
-                <a:spcPct val="100000"/>
-              </a:lnSpc>
-              <a:spcBef>
-                <a:spcPts val="0"/>
-              </a:spcBef>
-              <a:spcAft>
-                <a:spcPts val="0"/>
-              </a:spcAft>
-              <a:buClrTx/>
-              <a:buSzTx/>
-              <a:buFontTx/>
-              <a:buNone/>
-              <a:tabLst/>
-              <a:defRPr sz="8000" b="0" i="0" u="none" strike="noStrike" cap="none" spc="0" baseline="0">
-                <a:ln>
-                  <a:noFill/>
-                </a:ln>
-                <a:solidFill>
-                  <a:srgbClr val="FFFFFF"/>
-                </a:solidFill>
-                <a:uFillTx/>
-                <a:latin typeface="+mn-lt"/>
-                <a:ea typeface="+mn-ea"/>
-                <a:cs typeface="+mn-cs"/>
-                <a:sym typeface="Helvetica Light"/>
-              </a:defRPr>
-            </a:lvl3pPr>
-            <a:lvl4pPr marL="0" marR="0" indent="685800" algn="ctr" defTabSz="584200" rtl="0" latinLnBrk="0">
-              <a:lnSpc>
-                <a:spcPct val="100000"/>
-              </a:lnSpc>
-              <a:spcBef>
-                <a:spcPts val="0"/>
-              </a:spcBef>
-              <a:spcAft>
-                <a:spcPts val="0"/>
-              </a:spcAft>
-              <a:buClrTx/>
-              <a:buSzTx/>
-              <a:buFontTx/>
-              <a:buNone/>
-              <a:tabLst/>
-              <a:defRPr sz="8000" b="0" i="0" u="none" strike="noStrike" cap="none" spc="0" baseline="0">
-                <a:ln>
-                  <a:noFill/>
-                </a:ln>
-                <a:solidFill>
-                  <a:srgbClr val="FFFFFF"/>
-                </a:solidFill>
-                <a:uFillTx/>
-                <a:latin typeface="+mn-lt"/>
-                <a:ea typeface="+mn-ea"/>
-                <a:cs typeface="+mn-cs"/>
-                <a:sym typeface="Helvetica Light"/>
-              </a:defRPr>
-            </a:lvl4pPr>
-            <a:lvl5pPr marL="0" marR="0" indent="914400" algn="ctr" defTabSz="584200" rtl="0" latinLnBrk="0">
-              <a:lnSpc>
-                <a:spcPct val="100000"/>
-              </a:lnSpc>
-              <a:spcBef>
-                <a:spcPts val="0"/>
-              </a:spcBef>
-              <a:spcAft>
-                <a:spcPts val="0"/>
-              </a:spcAft>
-              <a:buClrTx/>
-              <a:buSzTx/>
-              <a:buFontTx/>
-              <a:buNone/>
-              <a:tabLst/>
-              <a:defRPr sz="8000" b="0" i="0" u="none" strike="noStrike" cap="none" spc="0" baseline="0">
-                <a:ln>
-                  <a:noFill/>
-                </a:ln>
-                <a:solidFill>
-                  <a:srgbClr val="FFFFFF"/>
-                </a:solidFill>
-                <a:uFillTx/>
-                <a:latin typeface="+mn-lt"/>
-                <a:ea typeface="+mn-ea"/>
-                <a:cs typeface="+mn-cs"/>
-                <a:sym typeface="Helvetica Light"/>
-              </a:defRPr>
-            </a:lvl5pPr>
-            <a:lvl6pPr marL="0" marR="0" indent="1143000" algn="ctr" defTabSz="584200" rtl="0" latinLnBrk="0">
-              <a:lnSpc>
-                <a:spcPct val="100000"/>
-              </a:lnSpc>
-              <a:spcBef>
-                <a:spcPts val="0"/>
-              </a:spcBef>
-              <a:spcAft>
-                <a:spcPts val="0"/>
-              </a:spcAft>
-              <a:buClrTx/>
-              <a:buSzTx/>
-              <a:buFontTx/>
-              <a:buNone/>
-              <a:tabLst/>
-              <a:defRPr sz="8000" b="0" i="0" u="none" strike="noStrike" cap="none" spc="0" baseline="0">
-                <a:ln>
-                  <a:noFill/>
-                </a:ln>
-                <a:solidFill>
-                  <a:srgbClr val="FFFFFF"/>
-                </a:solidFill>
-                <a:uFillTx/>
-                <a:latin typeface="+mn-lt"/>
-                <a:ea typeface="+mn-ea"/>
-                <a:cs typeface="+mn-cs"/>
-                <a:sym typeface="Helvetica Light"/>
-              </a:defRPr>
-            </a:lvl6pPr>
-            <a:lvl7pPr marL="0" marR="0" indent="1371600" algn="ctr" defTabSz="584200" rtl="0" latinLnBrk="0">
-              <a:lnSpc>
-                <a:spcPct val="100000"/>
-              </a:lnSpc>
-              <a:spcBef>
-                <a:spcPts val="0"/>
-              </a:spcBef>
-              <a:spcAft>
-                <a:spcPts val="0"/>
-              </a:spcAft>
-              <a:buClrTx/>
-              <a:buSzTx/>
-              <a:buFontTx/>
-              <a:buNone/>
-              <a:tabLst/>
-              <a:defRPr sz="8000" b="0" i="0" u="none" strike="noStrike" cap="none" spc="0" baseline="0">
-                <a:ln>
-                  <a:noFill/>
-                </a:ln>
-                <a:solidFill>
-                  <a:srgbClr val="FFFFFF"/>
-                </a:solidFill>
-                <a:uFillTx/>
-                <a:latin typeface="+mn-lt"/>
-                <a:ea typeface="+mn-ea"/>
-                <a:cs typeface="+mn-cs"/>
-                <a:sym typeface="Helvetica Light"/>
-              </a:defRPr>
-            </a:lvl7pPr>
-            <a:lvl8pPr marL="0" marR="0" indent="1600200" algn="ctr" defTabSz="584200" rtl="0" latinLnBrk="0">
-              <a:lnSpc>
-                <a:spcPct val="100000"/>
-              </a:lnSpc>
-              <a:spcBef>
-                <a:spcPts val="0"/>
-              </a:spcBef>
-              <a:spcAft>
-                <a:spcPts val="0"/>
-              </a:spcAft>
-              <a:buClrTx/>
-              <a:buSzTx/>
-              <a:buFontTx/>
-              <a:buNone/>
-              <a:tabLst/>
-              <a:defRPr sz="8000" b="0" i="0" u="none" strike="noStrike" cap="none" spc="0" baseline="0">
-                <a:ln>
-                  <a:noFill/>
-                </a:ln>
-                <a:solidFill>
-                  <a:srgbClr val="FFFFFF"/>
-                </a:solidFill>
-                <a:uFillTx/>
-                <a:latin typeface="+mn-lt"/>
-                <a:ea typeface="+mn-ea"/>
-                <a:cs typeface="+mn-cs"/>
-                <a:sym typeface="Helvetica Light"/>
-              </a:defRPr>
-            </a:lvl8pPr>
-            <a:lvl9pPr marL="0" marR="0" indent="1828800" algn="ctr" defTabSz="584200" rtl="0" latinLnBrk="0">
-              <a:lnSpc>
-                <a:spcPct val="100000"/>
-              </a:lnSpc>
-              <a:spcBef>
-                <a:spcPts val="0"/>
-              </a:spcBef>
-              <a:spcAft>
-                <a:spcPts val="0"/>
-              </a:spcAft>
-              <a:buClrTx/>
-              <a:buSzTx/>
-              <a:buFontTx/>
-              <a:buNone/>
-              <a:tabLst/>
-              <a:defRPr sz="8000" b="0" i="0" u="none" strike="noStrike" cap="none" spc="0" baseline="0">
-                <a:ln>
-                  <a:noFill/>
-                </a:ln>
-                <a:solidFill>
-                  <a:srgbClr val="FFFFFF"/>
-                </a:solidFill>
-                <a:uFillTx/>
-                <a:latin typeface="+mn-lt"/>
-                <a:ea typeface="+mn-ea"/>
-                <a:cs typeface="+mn-cs"/>
-                <a:sym typeface="Helvetica Light"/>
-              </a:defRPr>
-            </a:lvl9pPr>
-          </a:lstStyle>
-          <a:p>
-            <a:pPr algn="l" defTabSz="391414" hangingPunct="1">
-              <a:defRPr sz="5360">
-                <a:latin typeface="Heiti SC Light"/>
-                <a:ea typeface="Heiti SC Light"/>
-                <a:cs typeface="Heiti SC Light"/>
-                <a:sym typeface="Heiti SC Light"/>
-              </a:defRPr>
-            </a:pPr>
-            <a:r>
-              <a:rPr lang="zh-CN" altLang="en-US" sz="3200" b="1" dirty="0" smtClean="0">
-                <a:latin typeface="Heiti SC Light"/>
-                <a:ea typeface="Heiti SC Light"/>
-                <a:cs typeface="Heiti SC Light"/>
-                <a:sym typeface="Heiti SC Light"/>
-              </a:rPr>
-              <a:t>六、用户区域</a:t>
-            </a:r>
-            <a:endParaRPr lang="zh-CN" altLang="en-US" sz="3200" b="1" dirty="0">
-              <a:latin typeface="Heiti SC Light"/>
-              <a:ea typeface="Heiti SC Light"/>
-              <a:cs typeface="Heiti SC Light"/>
-              <a:sym typeface="Heiti SC Light"/>
-            </a:endParaRPr>
-          </a:p>
-        </p:txBody>
-      </p:sp>
-    </p:spTree>
-  </p:cSld>
-  <p:clrMapOvr>
-    <a:masterClrMapping/>
-  </p:clrMapOvr>
-  <p:transition spd="med"/>
-  <p:timing>
-    <p:tnLst>
-      <p:par>
-        <p:cTn id="1" dur="indefinite" restart="never" nodeType="tmRoot"/>
-      </p:par>
-    </p:tnLst>
-  </p:timing>
-</p:sld>
-</file>
-
-<file path=ppt/slides/slide10.xml><?xml version="1.0" encoding="utf-8"?>
-<p:sld xmlns:a="http://schemas.openxmlformats.org/drawingml/2006/main" xmlns:r="http://schemas.openxmlformats.org/officeDocument/2006/relationships" xmlns:p="http://schemas.openxmlformats.org/presentationml/2006/main">
-  <p:cSld>
-    <p:spTree>
-      <p:nvGrpSpPr>
-        <p:cNvPr id="1" name=""/>
-        <p:cNvGrpSpPr/>
-        <p:nvPr/>
-      </p:nvGrpSpPr>
-      <p:grpSpPr>
-        <a:xfrm>
-          <a:off x="0" y="0"/>
-          <a:ext cx="0" cy="0"/>
-          <a:chOff x="0" y="0"/>
-          <a:chExt cx="0" cy="0"/>
-        </a:xfrm>
-      </p:grpSpPr>
-      <p:pic>
-        <p:nvPicPr>
-          <p:cNvPr id="5" name="图片 4"/>
-          <p:cNvPicPr>
-            <a:picLocks noChangeAspect="1"/>
-          </p:cNvPicPr>
-          <p:nvPr/>
-        </p:nvPicPr>
-        <p:blipFill>
-          <a:blip r:embed="rId2"/>
-          <a:stretch>
-            <a:fillRect/>
-          </a:stretch>
-        </p:blipFill>
-        <p:spPr>
-          <a:xfrm>
-            <a:off x="772733" y="2298543"/>
-            <a:ext cx="11672820" cy="3533775"/>
-          </a:xfrm>
-          <a:prstGeom prst="rect">
-            <a:avLst/>
-          </a:prstGeom>
-        </p:spPr>
-      </p:pic>
-      <p:sp>
-        <p:nvSpPr>
-          <p:cNvPr id="6" name="二、新增用户"/>
-          <p:cNvSpPr txBox="1">
-            <a:spLocks/>
-          </p:cNvSpPr>
-          <p:nvPr/>
-        </p:nvSpPr>
-        <p:spPr>
-          <a:xfrm>
-            <a:off x="1270000" y="624929"/>
-            <a:ext cx="10464800" cy="800646"/>
-          </a:xfrm>
-          <a:prstGeom prst="rect">
-            <a:avLst/>
-          </a:prstGeom>
-          <a:ln w="12700">
-            <a:miter lim="400000"/>
-          </a:ln>
-          <a:extLst>
-            <a:ext uri="{C572A759-6A51-4108-AA02-DFA0A04FC94B}">
-              <ma14:wrappingTextBoxFlag xmlns:ma14="http://schemas.microsoft.com/office/mac/drawingml/2011/main" val="1"/>
-            </a:ext>
-          </a:extLst>
-        </p:spPr>
-        <p:txBody>
-          <a:bodyPr lIns="50800" tIns="50800" rIns="50800" bIns="50800" anchor="b">
-            <a:normAutofit fontScale="97500" lnSpcReduction="10000"/>
-          </a:bodyPr>
-          <a:lstStyle>
-            <a:lvl1pPr marL="0" marR="0" indent="0" algn="l" defTabSz="584200" rtl="0" latinLnBrk="0">
-              <a:lnSpc>
-                <a:spcPct val="100000"/>
-              </a:lnSpc>
-              <a:spcBef>
-                <a:spcPts val="0"/>
-              </a:spcBef>
-              <a:spcAft>
-                <a:spcPts val="0"/>
-              </a:spcAft>
-              <a:buClrTx/>
-              <a:buSzTx/>
-              <a:buFontTx/>
-              <a:buNone/>
-              <a:tabLst/>
-              <a:defRPr sz="4800" b="0" i="0" u="none" strike="noStrike" cap="none" spc="0" baseline="0">
-                <a:ln>
-                  <a:noFill/>
-                </a:ln>
-                <a:solidFill>
-                  <a:srgbClr val="FFFFFF"/>
-                </a:solidFill>
-                <a:uFillTx/>
-                <a:latin typeface="Heiti SC Light"/>
-                <a:ea typeface="Heiti SC Light"/>
-                <a:cs typeface="Heiti SC Light"/>
-                <a:sym typeface="Heiti SC Light"/>
-              </a:defRPr>
-            </a:lvl1pPr>
-            <a:lvl2pPr marL="0" marR="0" indent="228600" algn="ctr" defTabSz="584200" rtl="0" latinLnBrk="0">
-              <a:lnSpc>
-                <a:spcPct val="100000"/>
-              </a:lnSpc>
-              <a:spcBef>
-                <a:spcPts val="0"/>
-              </a:spcBef>
-              <a:spcAft>
-                <a:spcPts val="0"/>
-              </a:spcAft>
-              <a:buClrTx/>
-              <a:buSzTx/>
-              <a:buFontTx/>
-              <a:buNone/>
-              <a:tabLst/>
-              <a:defRPr sz="8000" b="0" i="0" u="none" strike="noStrike" cap="none" spc="0" baseline="0">
-                <a:ln>
-                  <a:noFill/>
-                </a:ln>
-                <a:solidFill>
-                  <a:srgbClr val="FFFFFF"/>
-                </a:solidFill>
-                <a:uFillTx/>
-                <a:latin typeface="+mn-lt"/>
-                <a:ea typeface="+mn-ea"/>
-                <a:cs typeface="+mn-cs"/>
-                <a:sym typeface="Helvetica Light"/>
-              </a:defRPr>
-            </a:lvl2pPr>
-            <a:lvl3pPr marL="0" marR="0" indent="457200" algn="ctr" defTabSz="584200" rtl="0" latinLnBrk="0">
-              <a:lnSpc>
-                <a:spcPct val="100000"/>
-              </a:lnSpc>
-              <a:spcBef>
-                <a:spcPts val="0"/>
-              </a:spcBef>
-              <a:spcAft>
-                <a:spcPts val="0"/>
-              </a:spcAft>
-              <a:buClrTx/>
-              <a:buSzTx/>
-              <a:buFontTx/>
-              <a:buNone/>
-              <a:tabLst/>
-              <a:defRPr sz="8000" b="0" i="0" u="none" strike="noStrike" cap="none" spc="0" baseline="0">
-                <a:ln>
-                  <a:noFill/>
-                </a:ln>
-                <a:solidFill>
-                  <a:srgbClr val="FFFFFF"/>
-                </a:solidFill>
-                <a:uFillTx/>
-                <a:latin typeface="+mn-lt"/>
-                <a:ea typeface="+mn-ea"/>
-                <a:cs typeface="+mn-cs"/>
-                <a:sym typeface="Helvetica Light"/>
-              </a:defRPr>
-            </a:lvl3pPr>
-            <a:lvl4pPr marL="0" marR="0" indent="685800" algn="ctr" defTabSz="584200" rtl="0" latinLnBrk="0">
-              <a:lnSpc>
-                <a:spcPct val="100000"/>
-              </a:lnSpc>
-              <a:spcBef>
-                <a:spcPts val="0"/>
-              </a:spcBef>
-              <a:spcAft>
-                <a:spcPts val="0"/>
-              </a:spcAft>
-              <a:buClrTx/>
-              <a:buSzTx/>
-              <a:buFontTx/>
-              <a:buNone/>
-              <a:tabLst/>
-              <a:defRPr sz="8000" b="0" i="0" u="none" strike="noStrike" cap="none" spc="0" baseline="0">
-                <a:ln>
-                  <a:noFill/>
-                </a:ln>
-                <a:solidFill>
-                  <a:srgbClr val="FFFFFF"/>
-                </a:solidFill>
-                <a:uFillTx/>
-                <a:latin typeface="+mn-lt"/>
-                <a:ea typeface="+mn-ea"/>
-                <a:cs typeface="+mn-cs"/>
-                <a:sym typeface="Helvetica Light"/>
-              </a:defRPr>
-            </a:lvl4pPr>
-            <a:lvl5pPr marL="0" marR="0" indent="914400" algn="ctr" defTabSz="584200" rtl="0" latinLnBrk="0">
-              <a:lnSpc>
-                <a:spcPct val="100000"/>
-              </a:lnSpc>
-              <a:spcBef>
-                <a:spcPts val="0"/>
-              </a:spcBef>
-              <a:spcAft>
-                <a:spcPts val="0"/>
-              </a:spcAft>
-              <a:buClrTx/>
-              <a:buSzTx/>
-              <a:buFontTx/>
-              <a:buNone/>
-              <a:tabLst/>
-              <a:defRPr sz="8000" b="0" i="0" u="none" strike="noStrike" cap="none" spc="0" baseline="0">
-                <a:ln>
-                  <a:noFill/>
-                </a:ln>
-                <a:solidFill>
-                  <a:srgbClr val="FFFFFF"/>
-                </a:solidFill>
-                <a:uFillTx/>
-                <a:latin typeface="+mn-lt"/>
-                <a:ea typeface="+mn-ea"/>
-                <a:cs typeface="+mn-cs"/>
-                <a:sym typeface="Helvetica Light"/>
-              </a:defRPr>
-            </a:lvl5pPr>
-            <a:lvl6pPr marL="0" marR="0" indent="1143000" algn="ctr" defTabSz="584200" rtl="0" latinLnBrk="0">
-              <a:lnSpc>
-                <a:spcPct val="100000"/>
-              </a:lnSpc>
-              <a:spcBef>
-                <a:spcPts val="0"/>
-              </a:spcBef>
-              <a:spcAft>
-                <a:spcPts val="0"/>
-              </a:spcAft>
-              <a:buClrTx/>
-              <a:buSzTx/>
-              <a:buFontTx/>
-              <a:buNone/>
-              <a:tabLst/>
-              <a:defRPr sz="8000" b="0" i="0" u="none" strike="noStrike" cap="none" spc="0" baseline="0">
-                <a:ln>
-                  <a:noFill/>
-                </a:ln>
-                <a:solidFill>
-                  <a:srgbClr val="FFFFFF"/>
-                </a:solidFill>
-                <a:uFillTx/>
-                <a:latin typeface="+mn-lt"/>
-                <a:ea typeface="+mn-ea"/>
-                <a:cs typeface="+mn-cs"/>
-                <a:sym typeface="Helvetica Light"/>
-              </a:defRPr>
-            </a:lvl6pPr>
-            <a:lvl7pPr marL="0" marR="0" indent="1371600" algn="ctr" defTabSz="584200" rtl="0" latinLnBrk="0">
-              <a:lnSpc>
-                <a:spcPct val="100000"/>
-              </a:lnSpc>
-              <a:spcBef>
-                <a:spcPts val="0"/>
-              </a:spcBef>
-              <a:spcAft>
-                <a:spcPts val="0"/>
-              </a:spcAft>
-              <a:buClrTx/>
-              <a:buSzTx/>
-              <a:buFontTx/>
-              <a:buNone/>
-              <a:tabLst/>
-              <a:defRPr sz="8000" b="0" i="0" u="none" strike="noStrike" cap="none" spc="0" baseline="0">
-                <a:ln>
-                  <a:noFill/>
-                </a:ln>
-                <a:solidFill>
-                  <a:srgbClr val="FFFFFF"/>
-                </a:solidFill>
-                <a:uFillTx/>
-                <a:latin typeface="+mn-lt"/>
-                <a:ea typeface="+mn-ea"/>
-                <a:cs typeface="+mn-cs"/>
-                <a:sym typeface="Helvetica Light"/>
-              </a:defRPr>
-            </a:lvl7pPr>
-            <a:lvl8pPr marL="0" marR="0" indent="1600200" algn="ctr" defTabSz="584200" rtl="0" latinLnBrk="0">
-              <a:lnSpc>
-                <a:spcPct val="100000"/>
-              </a:lnSpc>
-              <a:spcBef>
-                <a:spcPts val="0"/>
-              </a:spcBef>
-              <a:spcAft>
-                <a:spcPts val="0"/>
-              </a:spcAft>
-              <a:buClrTx/>
-              <a:buSzTx/>
-              <a:buFontTx/>
-              <a:buNone/>
-              <a:tabLst/>
-              <a:defRPr sz="8000" b="0" i="0" u="none" strike="noStrike" cap="none" spc="0" baseline="0">
-                <a:ln>
-                  <a:noFill/>
-                </a:ln>
-                <a:solidFill>
-                  <a:srgbClr val="FFFFFF"/>
-                </a:solidFill>
-                <a:uFillTx/>
-                <a:latin typeface="+mn-lt"/>
-                <a:ea typeface="+mn-ea"/>
-                <a:cs typeface="+mn-cs"/>
-                <a:sym typeface="Helvetica Light"/>
-              </a:defRPr>
-            </a:lvl8pPr>
-            <a:lvl9pPr marL="0" marR="0" indent="1828800" algn="ctr" defTabSz="584200" rtl="0" latinLnBrk="0">
-              <a:lnSpc>
-                <a:spcPct val="100000"/>
-              </a:lnSpc>
-              <a:spcBef>
-                <a:spcPts val="0"/>
-              </a:spcBef>
-              <a:spcAft>
-                <a:spcPts val="0"/>
-              </a:spcAft>
-              <a:buClrTx/>
-              <a:buSzTx/>
-              <a:buFontTx/>
-              <a:buNone/>
-              <a:tabLst/>
-              <a:defRPr sz="8000" b="0" i="0" u="none" strike="noStrike" cap="none" spc="0" baseline="0">
-                <a:ln>
-                  <a:noFill/>
-                </a:ln>
-                <a:solidFill>
-                  <a:srgbClr val="FFFFFF"/>
-                </a:solidFill>
-                <a:uFillTx/>
-                <a:latin typeface="+mn-lt"/>
-                <a:ea typeface="+mn-ea"/>
-                <a:cs typeface="+mn-cs"/>
-                <a:sym typeface="Helvetica Light"/>
-              </a:defRPr>
-            </a:lvl9pPr>
-          </a:lstStyle>
-          <a:p>
-            <a:pPr hangingPunct="1"/>
-            <a:r>
-              <a:rPr lang="zh-CN" altLang="en-US" dirty="0" smtClean="0"/>
-              <a:t>四、终端设备</a:t>
-            </a:r>
-            <a:endParaRPr lang="zh-CN" altLang="en-US" dirty="0"/>
-          </a:p>
-        </p:txBody>
-      </p:sp>
-      <p:sp>
-        <p:nvSpPr>
-          <p:cNvPr id="7" name="1、新增活跃用户占比：22%"/>
-          <p:cNvSpPr txBox="1"/>
-          <p:nvPr/>
-        </p:nvSpPr>
-        <p:spPr>
-          <a:xfrm>
-            <a:off x="1682706" y="6938547"/>
-            <a:ext cx="10028387" cy="656590"/>
-          </a:xfrm>
-          <a:prstGeom prst="rect">
-            <a:avLst/>
-          </a:prstGeom>
-          <a:ln w="12700">
-            <a:miter lim="400000"/>
-          </a:ln>
-          <a:extLst>
-            <a:ext uri="{C572A759-6A51-4108-AA02-DFA0A04FC94B}">
-              <ma14:wrappingTextBoxFlag xmlns:ma14="http://schemas.microsoft.com/office/mac/drawingml/2011/main" val="1"/>
-            </a:ext>
-          </a:extLst>
-        </p:spPr>
-        <p:txBody>
-          <a:bodyPr wrap="none" lIns="50800" tIns="50800" rIns="50800" bIns="50800" anchor="ctr">
-            <a:spAutoFit/>
-          </a:bodyPr>
-          <a:lstStyle>
-            <a:lvl1pPr>
-              <a:defRPr sz="3600">
-                <a:latin typeface="Heiti SC Light"/>
-                <a:ea typeface="Heiti SC Light"/>
-                <a:cs typeface="Heiti SC Light"/>
-                <a:sym typeface="Heiti SC Light"/>
-              </a:defRPr>
-            </a:lvl1pPr>
-          </a:lstStyle>
-          <a:p>
-            <a:r>
-              <a:rPr lang="en-US" altLang="zh-CN" dirty="0" smtClean="0"/>
-              <a:t>Android</a:t>
-            </a:r>
-            <a:r>
-              <a:rPr lang="zh-CN" altLang="en-US" dirty="0" smtClean="0"/>
-              <a:t>：根据机型占比，</a:t>
-            </a:r>
-            <a:r>
-              <a:rPr lang="en-US" altLang="zh-CN" dirty="0" smtClean="0"/>
-              <a:t>paibot</a:t>
-            </a:r>
-            <a:r>
-              <a:rPr lang="zh-CN" altLang="en-US" dirty="0" smtClean="0"/>
-              <a:t>设备安装量最高</a:t>
-            </a:r>
-            <a:endParaRPr dirty="0"/>
-          </a:p>
-        </p:txBody>
-      </p:sp>
-      <p:sp>
-        <p:nvSpPr>
-          <p:cNvPr id="8" name="1、新增活跃用户占比：22%"/>
-          <p:cNvSpPr txBox="1"/>
-          <p:nvPr/>
-        </p:nvSpPr>
-        <p:spPr>
-          <a:xfrm>
-            <a:off x="2619902" y="7760649"/>
-            <a:ext cx="8643392" cy="656590"/>
-          </a:xfrm>
-          <a:prstGeom prst="rect">
-            <a:avLst/>
-          </a:prstGeom>
-          <a:ln w="12700">
-            <a:miter lim="400000"/>
-          </a:ln>
-          <a:extLst>
-            <a:ext uri="{C572A759-6A51-4108-AA02-DFA0A04FC94B}">
-              <ma14:wrappingTextBoxFlag xmlns:ma14="http://schemas.microsoft.com/office/mac/drawingml/2011/main" val="1"/>
-            </a:ext>
-          </a:extLst>
-        </p:spPr>
-        <p:txBody>
-          <a:bodyPr wrap="none" lIns="50800" tIns="50800" rIns="50800" bIns="50800" anchor="ctr">
-            <a:spAutoFit/>
-          </a:bodyPr>
-          <a:lstStyle>
-            <a:lvl1pPr>
-              <a:defRPr sz="3600">
-                <a:latin typeface="Heiti SC Light"/>
-                <a:ea typeface="Heiti SC Light"/>
-                <a:cs typeface="Heiti SC Light"/>
-                <a:sym typeface="Heiti SC Light"/>
-              </a:defRPr>
-            </a:lvl1pPr>
-          </a:lstStyle>
-          <a:p>
-            <a:r>
-              <a:rPr lang="en-US" altLang="zh-CN" dirty="0" smtClean="0"/>
-              <a:t>iOS</a:t>
-            </a:r>
-            <a:r>
-              <a:rPr lang="zh-CN" altLang="en-US" dirty="0" smtClean="0"/>
-              <a:t>：手机和</a:t>
-            </a:r>
-            <a:r>
-              <a:rPr lang="en-US" altLang="zh-CN" dirty="0" smtClean="0"/>
-              <a:t>iPad</a:t>
-            </a:r>
-            <a:r>
-              <a:rPr lang="zh-CN" altLang="en-US" dirty="0" smtClean="0"/>
-              <a:t>占比分别为</a:t>
-            </a:r>
-            <a:r>
-              <a:rPr lang="en-US" altLang="zh-CN" dirty="0" smtClean="0"/>
-              <a:t>68.9%</a:t>
-            </a:r>
-            <a:r>
-              <a:rPr lang="zh-CN" altLang="en-US" dirty="0" smtClean="0"/>
-              <a:t>和</a:t>
-            </a:r>
-            <a:r>
-              <a:rPr lang="en-US" altLang="zh-CN" dirty="0" smtClean="0"/>
-              <a:t>31.1%</a:t>
-            </a:r>
-            <a:endParaRPr dirty="0"/>
-          </a:p>
-        </p:txBody>
-      </p:sp>
-    </p:spTree>
-    <p:extLst>
-      <p:ext uri="{BB962C8B-B14F-4D97-AF65-F5344CB8AC3E}">
-        <p14:creationId xmlns:p14="http://schemas.microsoft.com/office/powerpoint/2010/main" val="2132051735"/>
-      </p:ext>
-    </p:extLst>
-  </p:cSld>
-  <p:clrMapOvr>
-    <a:masterClrMapping/>
-  </p:clrMapOvr>
-  <p:transition spd="med"/>
-  <p:timing>
-    <p:tnLst>
-      <p:par>
-        <p:cTn id="1" dur="indefinite" restart="never" nodeType="tmRoot"/>
-      </p:par>
-    </p:tnLst>
-  </p:timing>
-</p:sld>
-</file>
-
-<file path=ppt/slides/slide11.xml><?xml version="1.0" encoding="utf-8"?>
-<p:sld xmlns:a="http://schemas.openxmlformats.org/drawingml/2006/main" xmlns:r="http://schemas.openxmlformats.org/officeDocument/2006/relationships" xmlns:p="http://schemas.openxmlformats.org/presentationml/2006/main">
-  <p:cSld>
-    <p:spTree>
-      <p:nvGrpSpPr>
-        <p:cNvPr id="1" name=""/>
-        <p:cNvGrpSpPr/>
-        <p:nvPr/>
-      </p:nvGrpSpPr>
-      <p:grpSpPr>
-        <a:xfrm>
-          <a:off x="0" y="0"/>
-          <a:ext cx="0" cy="0"/>
-          <a:chOff x="0" y="0"/>
-          <a:chExt cx="0" cy="0"/>
-        </a:xfrm>
-      </p:grpSpPr>
-      <p:sp>
-        <p:nvSpPr>
-          <p:cNvPr id="8" name="二、新增用户"/>
-          <p:cNvSpPr txBox="1">
-            <a:spLocks/>
-          </p:cNvSpPr>
-          <p:nvPr/>
-        </p:nvSpPr>
-        <p:spPr>
-          <a:xfrm>
-            <a:off x="1270000" y="624929"/>
-            <a:ext cx="10464800" cy="800646"/>
-          </a:xfrm>
-          <a:prstGeom prst="rect">
-            <a:avLst/>
-          </a:prstGeom>
-          <a:ln w="12700">
-            <a:miter lim="400000"/>
-          </a:ln>
-          <a:extLst>
-            <a:ext uri="{C572A759-6A51-4108-AA02-DFA0A04FC94B}">
-              <ma14:wrappingTextBoxFlag xmlns:ma14="http://schemas.microsoft.com/office/mac/drawingml/2011/main" val="1"/>
-            </a:ext>
-          </a:extLst>
-        </p:spPr>
-        <p:txBody>
-          <a:bodyPr lIns="50800" tIns="50800" rIns="50800" bIns="50800" anchor="b">
-            <a:normAutofit fontScale="97500" lnSpcReduction="10000"/>
-          </a:bodyPr>
-          <a:lstStyle>
-            <a:lvl1pPr marL="0" marR="0" indent="0" algn="l" defTabSz="584200" rtl="0" latinLnBrk="0">
-              <a:lnSpc>
-                <a:spcPct val="100000"/>
-              </a:lnSpc>
-              <a:spcBef>
-                <a:spcPts val="0"/>
-              </a:spcBef>
-              <a:spcAft>
-                <a:spcPts val="0"/>
-              </a:spcAft>
-              <a:buClrTx/>
-              <a:buSzTx/>
-              <a:buFontTx/>
-              <a:buNone/>
-              <a:tabLst/>
-              <a:defRPr sz="4800" b="0" i="0" u="none" strike="noStrike" cap="none" spc="0" baseline="0">
-                <a:ln>
-                  <a:noFill/>
-                </a:ln>
-                <a:solidFill>
-                  <a:srgbClr val="FFFFFF"/>
-                </a:solidFill>
-                <a:uFillTx/>
-                <a:latin typeface="Heiti SC Light"/>
-                <a:ea typeface="Heiti SC Light"/>
-                <a:cs typeface="Heiti SC Light"/>
-                <a:sym typeface="Heiti SC Light"/>
-              </a:defRPr>
-            </a:lvl1pPr>
-            <a:lvl2pPr marL="0" marR="0" indent="228600" algn="ctr" defTabSz="584200" rtl="0" latinLnBrk="0">
-              <a:lnSpc>
-                <a:spcPct val="100000"/>
-              </a:lnSpc>
-              <a:spcBef>
-                <a:spcPts val="0"/>
-              </a:spcBef>
-              <a:spcAft>
-                <a:spcPts val="0"/>
-              </a:spcAft>
-              <a:buClrTx/>
-              <a:buSzTx/>
-              <a:buFontTx/>
-              <a:buNone/>
-              <a:tabLst/>
-              <a:defRPr sz="8000" b="0" i="0" u="none" strike="noStrike" cap="none" spc="0" baseline="0">
-                <a:ln>
-                  <a:noFill/>
-                </a:ln>
-                <a:solidFill>
-                  <a:srgbClr val="FFFFFF"/>
-                </a:solidFill>
-                <a:uFillTx/>
-                <a:latin typeface="+mn-lt"/>
-                <a:ea typeface="+mn-ea"/>
-                <a:cs typeface="+mn-cs"/>
-                <a:sym typeface="Helvetica Light"/>
-              </a:defRPr>
-            </a:lvl2pPr>
-            <a:lvl3pPr marL="0" marR="0" indent="457200" algn="ctr" defTabSz="584200" rtl="0" latinLnBrk="0">
-              <a:lnSpc>
-                <a:spcPct val="100000"/>
-              </a:lnSpc>
-              <a:spcBef>
-                <a:spcPts val="0"/>
-              </a:spcBef>
-              <a:spcAft>
-                <a:spcPts val="0"/>
-              </a:spcAft>
-              <a:buClrTx/>
-              <a:buSzTx/>
-              <a:buFontTx/>
-              <a:buNone/>
-              <a:tabLst/>
-              <a:defRPr sz="8000" b="0" i="0" u="none" strike="noStrike" cap="none" spc="0" baseline="0">
-                <a:ln>
-                  <a:noFill/>
-                </a:ln>
-                <a:solidFill>
-                  <a:srgbClr val="FFFFFF"/>
-                </a:solidFill>
-                <a:uFillTx/>
-                <a:latin typeface="+mn-lt"/>
-                <a:ea typeface="+mn-ea"/>
-                <a:cs typeface="+mn-cs"/>
-                <a:sym typeface="Helvetica Light"/>
-              </a:defRPr>
-            </a:lvl3pPr>
-            <a:lvl4pPr marL="0" marR="0" indent="685800" algn="ctr" defTabSz="584200" rtl="0" latinLnBrk="0">
-              <a:lnSpc>
-                <a:spcPct val="100000"/>
-              </a:lnSpc>
-              <a:spcBef>
-                <a:spcPts val="0"/>
-              </a:spcBef>
-              <a:spcAft>
-                <a:spcPts val="0"/>
-              </a:spcAft>
-              <a:buClrTx/>
-              <a:buSzTx/>
-              <a:buFontTx/>
-              <a:buNone/>
-              <a:tabLst/>
-              <a:defRPr sz="8000" b="0" i="0" u="none" strike="noStrike" cap="none" spc="0" baseline="0">
-                <a:ln>
-                  <a:noFill/>
-                </a:ln>
-                <a:solidFill>
-                  <a:srgbClr val="FFFFFF"/>
-                </a:solidFill>
-                <a:uFillTx/>
-                <a:latin typeface="+mn-lt"/>
-                <a:ea typeface="+mn-ea"/>
-                <a:cs typeface="+mn-cs"/>
-                <a:sym typeface="Helvetica Light"/>
-              </a:defRPr>
-            </a:lvl4pPr>
-            <a:lvl5pPr marL="0" marR="0" indent="914400" algn="ctr" defTabSz="584200" rtl="0" latinLnBrk="0">
-              <a:lnSpc>
-                <a:spcPct val="100000"/>
-              </a:lnSpc>
-              <a:spcBef>
-                <a:spcPts val="0"/>
-              </a:spcBef>
-              <a:spcAft>
-                <a:spcPts val="0"/>
-              </a:spcAft>
-              <a:buClrTx/>
-              <a:buSzTx/>
-              <a:buFontTx/>
-              <a:buNone/>
-              <a:tabLst/>
-              <a:defRPr sz="8000" b="0" i="0" u="none" strike="noStrike" cap="none" spc="0" baseline="0">
-                <a:ln>
-                  <a:noFill/>
-                </a:ln>
-                <a:solidFill>
-                  <a:srgbClr val="FFFFFF"/>
-                </a:solidFill>
-                <a:uFillTx/>
-                <a:latin typeface="+mn-lt"/>
-                <a:ea typeface="+mn-ea"/>
-                <a:cs typeface="+mn-cs"/>
-                <a:sym typeface="Helvetica Light"/>
-              </a:defRPr>
-            </a:lvl5pPr>
-            <a:lvl6pPr marL="0" marR="0" indent="1143000" algn="ctr" defTabSz="584200" rtl="0" latinLnBrk="0">
-              <a:lnSpc>
-                <a:spcPct val="100000"/>
-              </a:lnSpc>
-              <a:spcBef>
-                <a:spcPts val="0"/>
-              </a:spcBef>
-              <a:spcAft>
-                <a:spcPts val="0"/>
-              </a:spcAft>
-              <a:buClrTx/>
-              <a:buSzTx/>
-              <a:buFontTx/>
-              <a:buNone/>
-              <a:tabLst/>
-              <a:defRPr sz="8000" b="0" i="0" u="none" strike="noStrike" cap="none" spc="0" baseline="0">
-                <a:ln>
-                  <a:noFill/>
-                </a:ln>
-                <a:solidFill>
-                  <a:srgbClr val="FFFFFF"/>
-                </a:solidFill>
-                <a:uFillTx/>
-                <a:latin typeface="+mn-lt"/>
-                <a:ea typeface="+mn-ea"/>
-                <a:cs typeface="+mn-cs"/>
-                <a:sym typeface="Helvetica Light"/>
-              </a:defRPr>
-            </a:lvl6pPr>
-            <a:lvl7pPr marL="0" marR="0" indent="1371600" algn="ctr" defTabSz="584200" rtl="0" latinLnBrk="0">
-              <a:lnSpc>
-                <a:spcPct val="100000"/>
-              </a:lnSpc>
-              <a:spcBef>
-                <a:spcPts val="0"/>
-              </a:spcBef>
-              <a:spcAft>
-                <a:spcPts val="0"/>
-              </a:spcAft>
-              <a:buClrTx/>
-              <a:buSzTx/>
-              <a:buFontTx/>
-              <a:buNone/>
-              <a:tabLst/>
-              <a:defRPr sz="8000" b="0" i="0" u="none" strike="noStrike" cap="none" spc="0" baseline="0">
-                <a:ln>
-                  <a:noFill/>
-                </a:ln>
-                <a:solidFill>
-                  <a:srgbClr val="FFFFFF"/>
-                </a:solidFill>
-                <a:uFillTx/>
-                <a:latin typeface="+mn-lt"/>
-                <a:ea typeface="+mn-ea"/>
-                <a:cs typeface="+mn-cs"/>
-                <a:sym typeface="Helvetica Light"/>
-              </a:defRPr>
-            </a:lvl7pPr>
-            <a:lvl8pPr marL="0" marR="0" indent="1600200" algn="ctr" defTabSz="584200" rtl="0" latinLnBrk="0">
-              <a:lnSpc>
-                <a:spcPct val="100000"/>
-              </a:lnSpc>
-              <a:spcBef>
-                <a:spcPts val="0"/>
-              </a:spcBef>
-              <a:spcAft>
-                <a:spcPts val="0"/>
-              </a:spcAft>
-              <a:buClrTx/>
-              <a:buSzTx/>
-              <a:buFontTx/>
-              <a:buNone/>
-              <a:tabLst/>
-              <a:defRPr sz="8000" b="0" i="0" u="none" strike="noStrike" cap="none" spc="0" baseline="0">
-                <a:ln>
-                  <a:noFill/>
-                </a:ln>
-                <a:solidFill>
-                  <a:srgbClr val="FFFFFF"/>
-                </a:solidFill>
-                <a:uFillTx/>
-                <a:latin typeface="+mn-lt"/>
-                <a:ea typeface="+mn-ea"/>
-                <a:cs typeface="+mn-cs"/>
-                <a:sym typeface="Helvetica Light"/>
-              </a:defRPr>
-            </a:lvl8pPr>
-            <a:lvl9pPr marL="0" marR="0" indent="1828800" algn="ctr" defTabSz="584200" rtl="0" latinLnBrk="0">
-              <a:lnSpc>
-                <a:spcPct val="100000"/>
-              </a:lnSpc>
-              <a:spcBef>
-                <a:spcPts val="0"/>
-              </a:spcBef>
-              <a:spcAft>
-                <a:spcPts val="0"/>
-              </a:spcAft>
-              <a:buClrTx/>
-              <a:buSzTx/>
-              <a:buFontTx/>
-              <a:buNone/>
-              <a:tabLst/>
-              <a:defRPr sz="8000" b="0" i="0" u="none" strike="noStrike" cap="none" spc="0" baseline="0">
-                <a:ln>
-                  <a:noFill/>
-                </a:ln>
-                <a:solidFill>
-                  <a:srgbClr val="FFFFFF"/>
-                </a:solidFill>
-                <a:uFillTx/>
-                <a:latin typeface="+mn-lt"/>
-                <a:ea typeface="+mn-ea"/>
-                <a:cs typeface="+mn-cs"/>
-                <a:sym typeface="Helvetica Light"/>
-              </a:defRPr>
-            </a:lvl9pPr>
-          </a:lstStyle>
-          <a:p>
-            <a:pPr hangingPunct="1"/>
-            <a:r>
-              <a:rPr lang="zh-CN" altLang="en-US" dirty="0"/>
-              <a:t>五</a:t>
-            </a:r>
-            <a:r>
-              <a:rPr lang="zh-CN" altLang="en-US" dirty="0" smtClean="0"/>
-              <a:t>、下载渠道</a:t>
-            </a:r>
-            <a:endParaRPr lang="zh-CN" altLang="en-US" dirty="0"/>
-          </a:p>
-        </p:txBody>
-      </p:sp>
-      <p:pic>
-        <p:nvPicPr>
-          <p:cNvPr id="10" name="图片 9"/>
-          <p:cNvPicPr>
-            <a:picLocks noChangeAspect="1"/>
-          </p:cNvPicPr>
-          <p:nvPr/>
-        </p:nvPicPr>
-        <p:blipFill>
-          <a:blip r:embed="rId2"/>
-          <a:stretch>
-            <a:fillRect/>
-          </a:stretch>
-        </p:blipFill>
-        <p:spPr>
-          <a:xfrm>
-            <a:off x="823835" y="2382592"/>
-            <a:ext cx="11357129" cy="2940205"/>
-          </a:xfrm>
-          <a:prstGeom prst="rect">
-            <a:avLst/>
-          </a:prstGeom>
-        </p:spPr>
-      </p:pic>
-      <p:sp>
-        <p:nvSpPr>
-          <p:cNvPr id="11" name="1、新增活跃用户占比：22%"/>
-          <p:cNvSpPr txBox="1"/>
-          <p:nvPr/>
-        </p:nvSpPr>
-        <p:spPr>
-          <a:xfrm>
-            <a:off x="591145" y="5953491"/>
-            <a:ext cx="12413655" cy="1579920"/>
-          </a:xfrm>
-          <a:prstGeom prst="rect">
-            <a:avLst/>
-          </a:prstGeom>
-          <a:ln w="12700">
-            <a:miter lim="400000"/>
-          </a:ln>
-          <a:extLst>
-            <a:ext uri="{C572A759-6A51-4108-AA02-DFA0A04FC94B}">
-              <ma14:wrappingTextBoxFlag xmlns:ma14="http://schemas.microsoft.com/office/mac/drawingml/2011/main" val="1"/>
-            </a:ext>
-          </a:extLst>
-        </p:spPr>
-        <p:txBody>
-          <a:bodyPr wrap="none" lIns="50800" tIns="50800" rIns="50800" bIns="50800" anchor="ctr">
-            <a:spAutoFit/>
-          </a:bodyPr>
-          <a:lstStyle>
-            <a:lvl1pPr>
-              <a:defRPr sz="3600">
-                <a:latin typeface="Heiti SC Light"/>
-                <a:ea typeface="Heiti SC Light"/>
-                <a:cs typeface="Heiti SC Light"/>
-                <a:sym typeface="Heiti SC Light"/>
-              </a:defRPr>
-            </a:lvl1pPr>
-          </a:lstStyle>
-          <a:p>
-            <a:pPr algn="l"/>
-            <a:r>
-              <a:rPr lang="en-US" altLang="zh-CN" sz="3200" dirty="0" smtClean="0"/>
-              <a:t>1. </a:t>
-            </a:r>
-            <a:r>
-              <a:rPr lang="zh-CN" altLang="en-US" sz="3200" dirty="0" smtClean="0"/>
-              <a:t>新增用户中下载渠道主要为</a:t>
-            </a:r>
-            <a:r>
-              <a:rPr lang="zh-CN" altLang="en-US" sz="3200" dirty="0"/>
-              <a:t>安智、</a:t>
-            </a:r>
-            <a:r>
-              <a:rPr lang="en-US" altLang="zh-CN" sz="3200" dirty="0"/>
-              <a:t>360</a:t>
-            </a:r>
-            <a:r>
-              <a:rPr lang="zh-CN" altLang="en-US" sz="3200" dirty="0" smtClean="0"/>
               <a:t>、</a:t>
             </a:r>
             <a:r>
               <a:rPr lang="en-US" altLang="zh-CN" sz="3200" dirty="0" smtClean="0"/>
-              <a:t>App Store</a:t>
+              <a:t>SKU</a:t>
             </a:r>
             <a:r>
               <a:rPr lang="zh-CN" altLang="en-US" sz="3200" dirty="0" smtClean="0"/>
-              <a:t>、联想，</a:t>
+              <a:t>进入次数</a:t>
             </a:r>
-            <a:endParaRPr lang="en-US" altLang="zh-CN" sz="3200" dirty="0" smtClean="0"/>
-          </a:p>
-          <a:p>
-            <a:pPr algn="l"/>
-            <a:r>
-              <a:rPr lang="en-US" altLang="zh-CN" sz="3200" dirty="0"/>
-              <a:t>	</a:t>
-            </a:r>
-            <a:r>
-              <a:rPr lang="zh-CN" altLang="en-US" sz="3200" dirty="0" smtClean="0"/>
-              <a:t>安智新增用户数最多。</a:t>
-            </a:r>
-            <a:endParaRPr lang="en-US" altLang="zh-CN" sz="3200" dirty="0" smtClean="0"/>
-          </a:p>
-          <a:p>
-            <a:pPr algn="l"/>
-            <a:r>
-              <a:rPr lang="en-US" altLang="zh-CN" sz="3200" dirty="0" smtClean="0"/>
-              <a:t>2. App Store</a:t>
-            </a:r>
-            <a:r>
-              <a:rPr lang="zh-CN" altLang="en-US" sz="3200" dirty="0" smtClean="0"/>
-              <a:t>渠道活跃用户、启动次数和使用时长都高于其他渠道。</a:t>
-            </a:r>
-            <a:endParaRPr sz="3200" dirty="0"/>
-          </a:p>
-        </p:txBody>
-      </p:sp>
-    </p:spTree>
-    <p:extLst>
-      <p:ext uri="{BB962C8B-B14F-4D97-AF65-F5344CB8AC3E}">
-        <p14:creationId xmlns:p14="http://schemas.microsoft.com/office/powerpoint/2010/main" val="2515163541"/>
-      </p:ext>
-    </p:extLst>
-  </p:cSld>
-  <p:clrMapOvr>
-    <a:masterClrMapping/>
-  </p:clrMapOvr>
-  <p:transition spd="med"/>
-  <p:timing>
-    <p:tnLst>
-      <p:par>
-        <p:cTn id="1" dur="indefinite" restart="never" nodeType="tmRoot"/>
-      </p:par>
-    </p:tnLst>
-  </p:timing>
-</p:sld>
-</file>
-
-<file path=ppt/slides/slide12.xml><?xml version="1.0" encoding="utf-8"?>
-<p:sld xmlns:a="http://schemas.openxmlformats.org/drawingml/2006/main" xmlns:r="http://schemas.openxmlformats.org/officeDocument/2006/relationships" xmlns:p="http://schemas.openxmlformats.org/presentationml/2006/main">
-  <p:cSld>
-    <p:spTree>
-      <p:nvGrpSpPr>
-        <p:cNvPr id="1" name=""/>
-        <p:cNvGrpSpPr/>
-        <p:nvPr/>
-      </p:nvGrpSpPr>
-      <p:grpSpPr>
-        <a:xfrm>
-          <a:off x="0" y="0"/>
-          <a:ext cx="0" cy="0"/>
-          <a:chOff x="0" y="0"/>
-          <a:chExt cx="0" cy="0"/>
-        </a:xfrm>
-      </p:grpSpPr>
-      <p:sp>
-        <p:nvSpPr>
-          <p:cNvPr id="228" name="六、关卡分析_进入用户数排序"/>
-          <p:cNvSpPr txBox="1">
-            <a:spLocks noGrp="1"/>
-          </p:cNvSpPr>
-          <p:nvPr>
-            <p:ph type="title" idx="4294967295"/>
-          </p:nvPr>
-        </p:nvSpPr>
-        <p:spPr>
-          <a:xfrm>
-            <a:off x="1270000" y="624929"/>
-            <a:ext cx="10464800" cy="800646"/>
-          </a:xfrm>
-          <a:prstGeom prst="rect">
-            <a:avLst/>
-          </a:prstGeom>
-        </p:spPr>
-        <p:txBody>
-          <a:bodyPr anchor="b">
-            <a:normAutofit fontScale="90000"/>
-          </a:bodyPr>
-          <a:lstStyle/>
-          <a:p>
-            <a:pPr algn="l" defTabSz="391414">
-              <a:defRPr sz="5360">
-                <a:latin typeface="Heiti SC Light"/>
-                <a:ea typeface="Heiti SC Light"/>
-                <a:cs typeface="Heiti SC Light"/>
-                <a:sym typeface="Heiti SC Light"/>
-              </a:defRPr>
-            </a:pPr>
-            <a:r>
-              <a:rPr dirty="0"/>
-              <a:t>六</a:t>
-            </a:r>
-            <a:r>
-              <a:rPr dirty="0" smtClean="0"/>
-              <a:t>、</a:t>
-            </a:r>
-            <a:r>
-              <a:rPr lang="zh-CN" altLang="en-US" dirty="0" smtClean="0"/>
-              <a:t>用户区域</a:t>
-            </a:r>
-            <a:endParaRPr sz="2412" dirty="0"/>
-          </a:p>
-        </p:txBody>
-      </p:sp>
-      <p:pic>
-        <p:nvPicPr>
-          <p:cNvPr id="2" name="图片 1"/>
-          <p:cNvPicPr>
-            <a:picLocks noChangeAspect="1"/>
-          </p:cNvPicPr>
-          <p:nvPr/>
-        </p:nvPicPr>
-        <p:blipFill>
-          <a:blip r:embed="rId2"/>
-          <a:stretch>
-            <a:fillRect/>
-          </a:stretch>
-        </p:blipFill>
-        <p:spPr>
-          <a:xfrm>
-            <a:off x="1270000" y="2516065"/>
-            <a:ext cx="10750997" cy="2916651"/>
-          </a:xfrm>
-          <a:prstGeom prst="rect">
-            <a:avLst/>
-          </a:prstGeom>
-        </p:spPr>
-      </p:pic>
-      <p:sp>
-        <p:nvSpPr>
-          <p:cNvPr id="10" name="1、新增活跃用户占比：22%"/>
-          <p:cNvSpPr txBox="1"/>
-          <p:nvPr/>
-        </p:nvSpPr>
-        <p:spPr>
-          <a:xfrm>
-            <a:off x="230715" y="5979467"/>
-            <a:ext cx="13439577" cy="1087477"/>
-          </a:xfrm>
-          <a:prstGeom prst="rect">
-            <a:avLst/>
-          </a:prstGeom>
-          <a:ln w="12700">
-            <a:miter lim="400000"/>
-          </a:ln>
-          <a:extLst>
-            <a:ext uri="{C572A759-6A51-4108-AA02-DFA0A04FC94B}">
-              <ma14:wrappingTextBoxFlag xmlns:ma14="http://schemas.microsoft.com/office/mac/drawingml/2011/main" val="1"/>
-            </a:ext>
-          </a:extLst>
-        </p:spPr>
-        <p:txBody>
-          <a:bodyPr wrap="none" lIns="50800" tIns="50800" rIns="50800" bIns="50800" anchor="ctr">
-            <a:spAutoFit/>
-          </a:bodyPr>
-          <a:lstStyle>
-            <a:lvl1pPr>
-              <a:defRPr sz="3600">
-                <a:latin typeface="Heiti SC Light"/>
-                <a:ea typeface="Heiti SC Light"/>
-                <a:cs typeface="Heiti SC Light"/>
-                <a:sym typeface="Heiti SC Light"/>
-              </a:defRPr>
-            </a:lvl1pPr>
-          </a:lstStyle>
-          <a:p>
-            <a:pPr algn="l"/>
-            <a:r>
-              <a:rPr lang="zh-CN" altLang="en-US" sz="3200" dirty="0" smtClean="0"/>
-              <a:t>使用</a:t>
-            </a:r>
-            <a:r>
-              <a:rPr lang="en-US" altLang="zh-CN" sz="3200" dirty="0" smtClean="0"/>
-              <a:t>Android</a:t>
-            </a:r>
-            <a:r>
-              <a:rPr lang="zh-CN" altLang="en-US" sz="3200" dirty="0" smtClean="0"/>
-              <a:t>的用户在二三线城市有显著增加。与前一周数据对比发现，</a:t>
-            </a:r>
-            <a:endParaRPr lang="en-US" altLang="zh-CN" sz="3200" dirty="0" smtClean="0"/>
-          </a:p>
-          <a:p>
-            <a:pPr algn="l"/>
-            <a:r>
-              <a:rPr lang="en-US" altLang="zh-CN" sz="3200" dirty="0" smtClean="0"/>
-              <a:t>Android</a:t>
-            </a:r>
-            <a:r>
-              <a:rPr lang="zh-CN" altLang="en-US" sz="3200" dirty="0" smtClean="0"/>
-              <a:t>端在过去七天平均每个区域增加</a:t>
-            </a:r>
-            <a:r>
-              <a:rPr lang="en-US" altLang="zh-CN" sz="3200" dirty="0" smtClean="0"/>
-              <a:t>5-10</a:t>
-            </a:r>
-            <a:r>
-              <a:rPr lang="zh-CN" altLang="en-US" sz="3200" dirty="0" smtClean="0"/>
-              <a:t>个用户。</a:t>
-            </a:r>
-            <a:endParaRPr lang="en-US" altLang="zh-CN" sz="3200" dirty="0" smtClean="0"/>
+            <a:endParaRPr lang="zh-CN" altLang="en-US" sz="3200" dirty="0"/>
           </a:p>
         </p:txBody>
       </p:sp>
@@ -11792,7 +10593,7 @@
           </a:ln>
           <a:extLst>
             <a:ext uri="{C572A759-6A51-4108-AA02-DFA0A04FC94B}">
-              <ma14:wrappingTextBoxFlag xmlns:ma14="http://schemas.microsoft.com/office/mac/drawingml/2011/main" val="1"/>
+              <ma14:wrappingTextBoxFlag xmlns:ma14="http://schemas.microsoft.com/office/mac/drawingml/2011/main" xmlns="" val="1"/>
             </a:ext>
           </a:extLst>
         </p:spPr>
@@ -11814,11 +10615,7 @@
             <a:pPr algn="l"/>
             <a:r>
               <a:rPr lang="zh-CN" altLang="en-US" dirty="0" smtClean="0"/>
-              <a:t>用户总数</a:t>
-            </a:r>
-            <a:r>
-              <a:rPr lang="zh-CN" altLang="en-US" dirty="0" smtClean="0"/>
-              <a:t>：</a:t>
+              <a:t>用户总数：</a:t>
             </a:r>
             <a:r>
               <a:rPr lang="en-US" altLang="zh-CN" sz="4400" b="1" dirty="0" smtClean="0">
@@ -11830,7 +10627,15 @@
             </a:r>
             <a:r>
               <a:rPr lang="en-US" altLang="zh-CN" dirty="0" smtClean="0"/>
-              <a:t>= 1850+  2302</a:t>
+              <a:t>= </a:t>
+            </a:r>
+            <a:r>
+              <a:rPr lang="en-US" altLang="zh-CN" dirty="0" smtClean="0"/>
+              <a:t>1850   +  </a:t>
+            </a:r>
+            <a:r>
+              <a:rPr lang="en-US" altLang="zh-CN" dirty="0" smtClean="0"/>
+              <a:t>2302</a:t>
             </a:r>
             <a:endParaRPr lang="en-US" altLang="zh-CN" sz="4400" b="1" dirty="0"/>
           </a:p>
@@ -11857,7 +10662,7 @@
           </a:ln>
           <a:extLst>
             <a:ext uri="{C572A759-6A51-4108-AA02-DFA0A04FC94B}">
-              <ma14:wrappingTextBoxFlag xmlns:ma14="http://schemas.microsoft.com/office/mac/drawingml/2011/main" val="1"/>
+              <ma14:wrappingTextBoxFlag xmlns:ma14="http://schemas.microsoft.com/office/mac/drawingml/2011/main" xmlns="" val="1"/>
             </a:ext>
           </a:extLst>
         </p:spPr>
@@ -12217,7 +11022,7 @@
           </a:ln>
           <a:extLst>
             <a:ext uri="{C572A759-6A51-4108-AA02-DFA0A04FC94B}">
-              <ma14:wrappingTextBoxFlag xmlns:ma14="http://schemas.microsoft.com/office/mac/drawingml/2011/main" val="1"/>
+              <ma14:wrappingTextBoxFlag xmlns:ma14="http://schemas.microsoft.com/office/mac/drawingml/2011/main" xmlns="" val="1"/>
             </a:ext>
           </a:extLst>
         </p:spPr>
@@ -12895,7 +11700,7 @@
           </a:ln>
           <a:extLst>
             <a:ext uri="{C572A759-6A51-4108-AA02-DFA0A04FC94B}">
-              <ma14:wrappingTextBoxFlag xmlns:ma14="http://schemas.microsoft.com/office/mac/drawingml/2011/main" val="1"/>
+              <ma14:wrappingTextBoxFlag xmlns:ma14="http://schemas.microsoft.com/office/mac/drawingml/2011/main" xmlns="" val="1"/>
             </a:ext>
           </a:extLst>
         </p:spPr>
@@ -13184,7 +11989,7 @@
         </p:nvSpPr>
         <p:spPr>
           <a:xfrm>
-            <a:off x="1810810" y="2292005"/>
+            <a:off x="2397923" y="2443089"/>
             <a:ext cx="8518047" cy="779701"/>
           </a:xfrm>
           <a:prstGeom prst="rect">
@@ -13195,7 +12000,7 @@
           </a:ln>
           <a:extLst>
             <a:ext uri="{C572A759-6A51-4108-AA02-DFA0A04FC94B}">
-              <ma14:wrappingTextBoxFlag xmlns:ma14="http://schemas.microsoft.com/office/mac/drawingml/2011/main" val="1"/>
+              <ma14:wrappingTextBoxFlag xmlns:ma14="http://schemas.microsoft.com/office/mac/drawingml/2011/main" xmlns="" val="1"/>
             </a:ext>
           </a:extLst>
         </p:spPr>
@@ -13216,15 +12021,7 @@
           <a:p>
             <a:r>
               <a:rPr lang="zh-CN" altLang="en-US" dirty="0" smtClean="0"/>
-              <a:t>新增</a:t>
-            </a:r>
-            <a:r>
-              <a:rPr lang="zh-CN" altLang="en-US" dirty="0" smtClean="0"/>
-              <a:t>用户</a:t>
-            </a:r>
-            <a:r>
-              <a:rPr lang="zh-CN" altLang="en-US" dirty="0" smtClean="0"/>
-              <a:t>：</a:t>
+              <a:t>新增用户：</a:t>
             </a:r>
             <a:r>
               <a:rPr lang="en-US" altLang="zh-CN" sz="4400" b="1" dirty="0" smtClean="0">
@@ -13236,7 +12033,15 @@
             </a:r>
             <a:r>
               <a:rPr lang="en-US" altLang="zh-CN" dirty="0" smtClean="0"/>
-              <a:t>= 269+  561</a:t>
+              <a:t>= </a:t>
+            </a:r>
+            <a:r>
+              <a:rPr lang="en-US" altLang="zh-CN" dirty="0" smtClean="0"/>
+              <a:t>269  +   </a:t>
+            </a:r>
+            <a:r>
+              <a:rPr lang="en-US" altLang="zh-CN" dirty="0" smtClean="0"/>
+              <a:t>561</a:t>
             </a:r>
             <a:endParaRPr lang="en-US" altLang="zh-CN" sz="4000" b="1" dirty="0"/>
           </a:p>
@@ -13263,7 +12068,7 @@
           </a:ln>
           <a:extLst>
             <a:ext uri="{C572A759-6A51-4108-AA02-DFA0A04FC94B}">
-              <ma14:wrappingTextBoxFlag xmlns:ma14="http://schemas.microsoft.com/office/mac/drawingml/2011/main" val="1"/>
+              <ma14:wrappingTextBoxFlag xmlns:ma14="http://schemas.microsoft.com/office/mac/drawingml/2011/main" xmlns="" val="1"/>
             </a:ext>
           </a:extLst>
         </p:spPr>
@@ -13611,7 +12416,7 @@
           <p:nvPr>
             <p:extLst>
               <p:ext uri="{D42A27DB-BD31-4B8C-83A1-F6EECF244321}">
-                <p14:modId xmlns:p14="http://schemas.microsoft.com/office/powerpoint/2010/main" val="656582910"/>
+                <p14:modId xmlns:p14="http://schemas.microsoft.com/office/powerpoint/2010/main" val="276076312"/>
               </p:ext>
             </p:extLst>
           </p:nvPr>
@@ -13693,7 +12498,7 @@
                     <a:lstStyle/>
                     <a:p>
                       <a:r>
-                        <a:rPr lang="zh-CN" altLang="en-US" sz="3600" smtClean="0">
+                        <a:rPr lang="zh-CN" altLang="en-US" sz="3600" b="1" dirty="0" smtClean="0">
                           <a:solidFill>
                             <a:schemeClr val="bg2">
                               <a:lumMod val="50000"/>
@@ -13702,7 +12507,7 @@
                         </a:rPr>
                         <a:t>本周新增</a:t>
                       </a:r>
-                      <a:endParaRPr lang="zh-CN" altLang="en-US" sz="3600">
+                      <a:endParaRPr lang="zh-CN" altLang="en-US" sz="3600" b="1" dirty="0">
                         <a:solidFill>
                           <a:schemeClr val="bg2">
                             <a:lumMod val="50000"/>
@@ -13852,7 +12657,7 @@
                     <a:lstStyle/>
                     <a:p>
                       <a:r>
-                        <a:rPr lang="en-US" altLang="zh-CN" sz="3600" dirty="0" smtClean="0">
+                        <a:rPr lang="en-US" altLang="zh-CN" sz="3600" b="1" dirty="0" smtClean="0">
                           <a:solidFill>
                             <a:schemeClr val="bg2">
                               <a:lumMod val="50000"/>
@@ -13861,7 +12666,7 @@
                         </a:rPr>
                         <a:t>269</a:t>
                       </a:r>
-                      <a:endParaRPr lang="zh-CN" altLang="en-US" sz="3600" dirty="0">
+                      <a:endParaRPr lang="zh-CN" altLang="en-US" sz="3600" b="1" dirty="0">
                         <a:solidFill>
                           <a:schemeClr val="bg2">
                             <a:lumMod val="50000"/>
@@ -13992,7 +12797,7 @@
                     <a:lstStyle/>
                     <a:p>
                       <a:r>
-                        <a:rPr lang="en-US" altLang="zh-CN" sz="3600" dirty="0" smtClean="0">
+                        <a:rPr lang="en-US" altLang="zh-CN" sz="3600" b="1" dirty="0" smtClean="0">
                           <a:solidFill>
                             <a:schemeClr val="bg2">
                               <a:lumMod val="50000"/>
@@ -14001,7 +12806,7 @@
                         </a:rPr>
                         <a:t>561</a:t>
                       </a:r>
-                      <a:endParaRPr lang="zh-CN" altLang="en-US" sz="3600" dirty="0">
+                      <a:endParaRPr lang="zh-CN" altLang="en-US" sz="3600" b="1" dirty="0">
                         <a:solidFill>
                           <a:schemeClr val="bg2">
                             <a:lumMod val="50000"/>
@@ -14124,7 +12929,7 @@
           </a:ln>
           <a:extLst>
             <a:ext uri="{C572A759-6A51-4108-AA02-DFA0A04FC94B}">
-              <ma14:wrappingTextBoxFlag xmlns:ma14="http://schemas.microsoft.com/office/mac/drawingml/2011/main" val="1"/>
+              <ma14:wrappingTextBoxFlag xmlns:ma14="http://schemas.microsoft.com/office/mac/drawingml/2011/main" xmlns="" val="1"/>
             </a:ext>
           </a:extLst>
         </p:spPr>
@@ -14406,12 +13211,16 @@
               <a:t>、</a:t>
             </a:r>
             <a:r>
-              <a:rPr lang="en-US" altLang="zh-CN" dirty="0" err="1" smtClean="0"/>
-              <a:t>sku</a:t>
+              <a:rPr lang="en-US" altLang="zh-CN" dirty="0" smtClean="0"/>
+              <a:t>SKU</a:t>
             </a:r>
             <a:r>
               <a:rPr lang="zh-CN" altLang="en-US" dirty="0" smtClean="0"/>
-              <a:t>平均完成时间</a:t>
+              <a:t>平均</a:t>
+            </a:r>
+            <a:r>
+              <a:rPr lang="zh-CN" altLang="en-US" dirty="0" smtClean="0"/>
+              <a:t>完成时间</a:t>
             </a:r>
             <a:endParaRPr lang="zh-CN" altLang="en-US" dirty="0"/>
           </a:p>
@@ -14424,14 +13233,14 @@
           <p:nvPr>
             <p:extLst>
               <p:ext uri="{D42A27DB-BD31-4B8C-83A1-F6EECF244321}">
-                <p14:modId xmlns:p14="http://schemas.microsoft.com/office/powerpoint/2010/main" val="59563318"/>
+                <p14:modId xmlns:p14="http://schemas.microsoft.com/office/powerpoint/2010/main" val="3047779132"/>
               </p:ext>
             </p:extLst>
           </p:nvPr>
         </p:nvGraphicFramePr>
         <p:xfrm>
-          <a:off x="872066" y="3251199"/>
-          <a:ext cx="11260667" cy="5658909"/>
+          <a:off x="524337" y="2311042"/>
+          <a:ext cx="12132734" cy="6502400"/>
         </p:xfrm>
         <a:graphic>
           <a:graphicData uri="http://schemas.openxmlformats.org/drawingml/2006/chart">
@@ -14439,6 +13248,61 @@
           </a:graphicData>
         </a:graphic>
       </p:graphicFrame>
+      <p:sp>
+        <p:nvSpPr>
+          <p:cNvPr id="4" name="1、新增活跃用户占比：22%"/>
+          <p:cNvSpPr txBox="1"/>
+          <p:nvPr/>
+        </p:nvSpPr>
+        <p:spPr>
+          <a:xfrm>
+            <a:off x="2228043" y="1671796"/>
+            <a:ext cx="6463308" cy="595035"/>
+          </a:xfrm>
+          <a:prstGeom prst="rect">
+            <a:avLst/>
+          </a:prstGeom>
+          <a:ln w="12700">
+            <a:miter lim="400000"/>
+          </a:ln>
+          <a:extLst>
+            <a:ext uri="{C572A759-6A51-4108-AA02-DFA0A04FC94B}">
+              <ma14:wrappingTextBoxFlag xmlns:ma14="http://schemas.microsoft.com/office/mac/drawingml/2011/main" xmlns="" val="1"/>
+            </a:ext>
+          </a:extLst>
+        </p:spPr>
+        <p:txBody>
+          <a:bodyPr wrap="none" lIns="50800" tIns="50800" rIns="50800" bIns="50800" anchor="ctr">
+            <a:spAutoFit/>
+          </a:bodyPr>
+          <a:lstStyle>
+            <a:lvl1pPr>
+              <a:defRPr sz="3600">
+                <a:latin typeface="Heiti SC Light"/>
+                <a:ea typeface="Heiti SC Light"/>
+                <a:cs typeface="Heiti SC Light"/>
+                <a:sym typeface="Heiti SC Light"/>
+              </a:defRPr>
+            </a:lvl1pPr>
+          </a:lstStyle>
+          <a:p>
+            <a:pPr algn="l"/>
+            <a:r>
+              <a:rPr lang="zh-CN" altLang="en-US" sz="3200" dirty="0" smtClean="0"/>
+              <a:t>完成时间前十的</a:t>
+            </a:r>
+            <a:r>
+              <a:rPr lang="en-US" altLang="zh-CN" sz="3200" dirty="0" err="1" smtClean="0"/>
+              <a:t>sku</a:t>
+            </a:r>
+            <a:r>
+              <a:rPr lang="zh-CN" altLang="en-US" sz="3200" dirty="0" smtClean="0"/>
+              <a:t>，以及平均时长</a:t>
+            </a:r>
+            <a:endParaRPr lang="en-US" altLang="zh-CN" sz="3200" dirty="0" smtClean="0"/>
+          </a:p>
+        </p:txBody>
+      </p:sp>
     </p:spTree>
     <p:extLst>
       <p:ext uri="{BB962C8B-B14F-4D97-AF65-F5344CB8AC3E}">
@@ -14484,14 +13348,14 @@
           <p:nvPr>
             <p:extLst>
               <p:ext uri="{D42A27DB-BD31-4B8C-83A1-F6EECF244321}">
-                <p14:modId xmlns:p14="http://schemas.microsoft.com/office/powerpoint/2010/main" val="1355125988"/>
+                <p14:modId xmlns:p14="http://schemas.microsoft.com/office/powerpoint/2010/main" val="1919375936"/>
               </p:ext>
             </p:extLst>
           </p:nvPr>
         </p:nvGraphicFramePr>
         <p:xfrm>
-          <a:off x="0" y="1456267"/>
-          <a:ext cx="13055600" cy="7230532"/>
+          <a:off x="0" y="2189407"/>
+          <a:ext cx="13055600" cy="6091707"/>
         </p:xfrm>
         <a:graphic>
           <a:graphicData uri="http://schemas.openxmlformats.org/drawingml/2006/chart">
@@ -14499,6 +13363,383 @@
           </a:graphicData>
         </a:graphic>
       </p:graphicFrame>
+      <p:sp>
+        <p:nvSpPr>
+          <p:cNvPr id="3" name="1、新增活跃用户占比：22%"/>
+          <p:cNvSpPr txBox="1"/>
+          <p:nvPr/>
+        </p:nvSpPr>
+        <p:spPr>
+          <a:xfrm>
+            <a:off x="2459863" y="1425575"/>
+            <a:ext cx="5847755" cy="595035"/>
+          </a:xfrm>
+          <a:prstGeom prst="rect">
+            <a:avLst/>
+          </a:prstGeom>
+          <a:ln w="12700">
+            <a:miter lim="400000"/>
+          </a:ln>
+          <a:extLst>
+            <a:ext uri="{C572A759-6A51-4108-AA02-DFA0A04FC94B}">
+              <ma14:wrappingTextBoxFlag xmlns:ma14="http://schemas.microsoft.com/office/mac/drawingml/2011/main" xmlns="" val="1"/>
+            </a:ext>
+          </a:extLst>
+        </p:spPr>
+        <p:txBody>
+          <a:bodyPr wrap="none" lIns="50800" tIns="50800" rIns="50800" bIns="50800" anchor="ctr">
+            <a:spAutoFit/>
+          </a:bodyPr>
+          <a:lstStyle>
+            <a:lvl1pPr>
+              <a:defRPr sz="3600">
+                <a:latin typeface="Heiti SC Light"/>
+                <a:ea typeface="Heiti SC Light"/>
+                <a:cs typeface="Heiti SC Light"/>
+                <a:sym typeface="Heiti SC Light"/>
+              </a:defRPr>
+            </a:lvl1pPr>
+          </a:lstStyle>
+          <a:p>
+            <a:pPr algn="l"/>
+            <a:r>
+              <a:rPr lang="zh-CN" altLang="en-US" sz="3200" dirty="0" smtClean="0"/>
+              <a:t>平均搭建时长排行</a:t>
+            </a:r>
+            <a:r>
+              <a:rPr lang="en-US" altLang="zh-CN" sz="3200" dirty="0" smtClean="0"/>
+              <a:t>11-25</a:t>
+            </a:r>
+            <a:r>
+              <a:rPr lang="zh-CN" altLang="en-US" sz="3200" dirty="0" smtClean="0"/>
+              <a:t>位的</a:t>
+            </a:r>
+            <a:r>
+              <a:rPr lang="en-US" altLang="zh-CN" sz="3200" dirty="0" smtClean="0"/>
+              <a:t>SKU</a:t>
+            </a:r>
+            <a:endParaRPr lang="en-US" altLang="zh-CN" sz="3200" dirty="0" smtClean="0"/>
+          </a:p>
+        </p:txBody>
+      </p:sp>
+      <p:sp>
+        <p:nvSpPr>
+          <p:cNvPr id="4" name="二、新增用户"/>
+          <p:cNvSpPr txBox="1">
+            <a:spLocks/>
+          </p:cNvSpPr>
+          <p:nvPr/>
+        </p:nvSpPr>
+        <p:spPr>
+          <a:xfrm>
+            <a:off x="1270000" y="624929"/>
+            <a:ext cx="10464800" cy="800646"/>
+          </a:xfrm>
+          <a:prstGeom prst="rect">
+            <a:avLst/>
+          </a:prstGeom>
+          <a:ln w="12700">
+            <a:miter lim="400000"/>
+          </a:ln>
+          <a:extLst>
+            <a:ext uri="{C572A759-6A51-4108-AA02-DFA0A04FC94B}">
+              <ma14:wrappingTextBoxFlag xmlns:ma14="http://schemas.microsoft.com/office/mac/drawingml/2011/main" xmlns="" val="1"/>
+            </a:ext>
+          </a:extLst>
+        </p:spPr>
+        <p:txBody>
+          <a:bodyPr lIns="50800" tIns="50800" rIns="50800" bIns="50800" anchor="b">
+            <a:normAutofit fontScale="97500" lnSpcReduction="10000"/>
+          </a:bodyPr>
+          <a:lstStyle>
+            <a:lvl1pPr marL="0" marR="0" indent="0" algn="l" defTabSz="584200" rtl="0" latinLnBrk="0">
+              <a:lnSpc>
+                <a:spcPct val="100000"/>
+              </a:lnSpc>
+              <a:spcBef>
+                <a:spcPts val="0"/>
+              </a:spcBef>
+              <a:spcAft>
+                <a:spcPts val="0"/>
+              </a:spcAft>
+              <a:buClrTx/>
+              <a:buSzTx/>
+              <a:buFontTx/>
+              <a:buNone/>
+              <a:tabLst/>
+              <a:defRPr sz="4800" b="0" i="0" u="none" strike="noStrike" cap="none" spc="0" baseline="0">
+                <a:ln>
+                  <a:noFill/>
+                </a:ln>
+                <a:solidFill>
+                  <a:srgbClr val="FFFFFF"/>
+                </a:solidFill>
+                <a:uFillTx/>
+                <a:latin typeface="Heiti SC Light"/>
+                <a:ea typeface="Heiti SC Light"/>
+                <a:cs typeface="Heiti SC Light"/>
+                <a:sym typeface="Heiti SC Light"/>
+              </a:defRPr>
+            </a:lvl1pPr>
+            <a:lvl2pPr marL="0" marR="0" indent="228600" algn="ctr" defTabSz="584200" rtl="0" latinLnBrk="0">
+              <a:lnSpc>
+                <a:spcPct val="100000"/>
+              </a:lnSpc>
+              <a:spcBef>
+                <a:spcPts val="0"/>
+              </a:spcBef>
+              <a:spcAft>
+                <a:spcPts val="0"/>
+              </a:spcAft>
+              <a:buClrTx/>
+              <a:buSzTx/>
+              <a:buFontTx/>
+              <a:buNone/>
+              <a:tabLst/>
+              <a:defRPr sz="8000" b="0" i="0" u="none" strike="noStrike" cap="none" spc="0" baseline="0">
+                <a:ln>
+                  <a:noFill/>
+                </a:ln>
+                <a:solidFill>
+                  <a:srgbClr val="FFFFFF"/>
+                </a:solidFill>
+                <a:uFillTx/>
+                <a:latin typeface="+mn-lt"/>
+                <a:ea typeface="+mn-ea"/>
+                <a:cs typeface="+mn-cs"/>
+                <a:sym typeface="Helvetica Light"/>
+              </a:defRPr>
+            </a:lvl2pPr>
+            <a:lvl3pPr marL="0" marR="0" indent="457200" algn="ctr" defTabSz="584200" rtl="0" latinLnBrk="0">
+              <a:lnSpc>
+                <a:spcPct val="100000"/>
+              </a:lnSpc>
+              <a:spcBef>
+                <a:spcPts val="0"/>
+              </a:spcBef>
+              <a:spcAft>
+                <a:spcPts val="0"/>
+              </a:spcAft>
+              <a:buClrTx/>
+              <a:buSzTx/>
+              <a:buFontTx/>
+              <a:buNone/>
+              <a:tabLst/>
+              <a:defRPr sz="8000" b="0" i="0" u="none" strike="noStrike" cap="none" spc="0" baseline="0">
+                <a:ln>
+                  <a:noFill/>
+                </a:ln>
+                <a:solidFill>
+                  <a:srgbClr val="FFFFFF"/>
+                </a:solidFill>
+                <a:uFillTx/>
+                <a:latin typeface="+mn-lt"/>
+                <a:ea typeface="+mn-ea"/>
+                <a:cs typeface="+mn-cs"/>
+                <a:sym typeface="Helvetica Light"/>
+              </a:defRPr>
+            </a:lvl3pPr>
+            <a:lvl4pPr marL="0" marR="0" indent="685800" algn="ctr" defTabSz="584200" rtl="0" latinLnBrk="0">
+              <a:lnSpc>
+                <a:spcPct val="100000"/>
+              </a:lnSpc>
+              <a:spcBef>
+                <a:spcPts val="0"/>
+              </a:spcBef>
+              <a:spcAft>
+                <a:spcPts val="0"/>
+              </a:spcAft>
+              <a:buClrTx/>
+              <a:buSzTx/>
+              <a:buFontTx/>
+              <a:buNone/>
+              <a:tabLst/>
+              <a:defRPr sz="8000" b="0" i="0" u="none" strike="noStrike" cap="none" spc="0" baseline="0">
+                <a:ln>
+                  <a:noFill/>
+                </a:ln>
+                <a:solidFill>
+                  <a:srgbClr val="FFFFFF"/>
+                </a:solidFill>
+                <a:uFillTx/>
+                <a:latin typeface="+mn-lt"/>
+                <a:ea typeface="+mn-ea"/>
+                <a:cs typeface="+mn-cs"/>
+                <a:sym typeface="Helvetica Light"/>
+              </a:defRPr>
+            </a:lvl4pPr>
+            <a:lvl5pPr marL="0" marR="0" indent="914400" algn="ctr" defTabSz="584200" rtl="0" latinLnBrk="0">
+              <a:lnSpc>
+                <a:spcPct val="100000"/>
+              </a:lnSpc>
+              <a:spcBef>
+                <a:spcPts val="0"/>
+              </a:spcBef>
+              <a:spcAft>
+                <a:spcPts val="0"/>
+              </a:spcAft>
+              <a:buClrTx/>
+              <a:buSzTx/>
+              <a:buFontTx/>
+              <a:buNone/>
+              <a:tabLst/>
+              <a:defRPr sz="8000" b="0" i="0" u="none" strike="noStrike" cap="none" spc="0" baseline="0">
+                <a:ln>
+                  <a:noFill/>
+                </a:ln>
+                <a:solidFill>
+                  <a:srgbClr val="FFFFFF"/>
+                </a:solidFill>
+                <a:uFillTx/>
+                <a:latin typeface="+mn-lt"/>
+                <a:ea typeface="+mn-ea"/>
+                <a:cs typeface="+mn-cs"/>
+                <a:sym typeface="Helvetica Light"/>
+              </a:defRPr>
+            </a:lvl5pPr>
+            <a:lvl6pPr marL="0" marR="0" indent="1143000" algn="ctr" defTabSz="584200" rtl="0" latinLnBrk="0">
+              <a:lnSpc>
+                <a:spcPct val="100000"/>
+              </a:lnSpc>
+              <a:spcBef>
+                <a:spcPts val="0"/>
+              </a:spcBef>
+              <a:spcAft>
+                <a:spcPts val="0"/>
+              </a:spcAft>
+              <a:buClrTx/>
+              <a:buSzTx/>
+              <a:buFontTx/>
+              <a:buNone/>
+              <a:tabLst/>
+              <a:defRPr sz="8000" b="0" i="0" u="none" strike="noStrike" cap="none" spc="0" baseline="0">
+                <a:ln>
+                  <a:noFill/>
+                </a:ln>
+                <a:solidFill>
+                  <a:srgbClr val="FFFFFF"/>
+                </a:solidFill>
+                <a:uFillTx/>
+                <a:latin typeface="+mn-lt"/>
+                <a:ea typeface="+mn-ea"/>
+                <a:cs typeface="+mn-cs"/>
+                <a:sym typeface="Helvetica Light"/>
+              </a:defRPr>
+            </a:lvl6pPr>
+            <a:lvl7pPr marL="0" marR="0" indent="1371600" algn="ctr" defTabSz="584200" rtl="0" latinLnBrk="0">
+              <a:lnSpc>
+                <a:spcPct val="100000"/>
+              </a:lnSpc>
+              <a:spcBef>
+                <a:spcPts val="0"/>
+              </a:spcBef>
+              <a:spcAft>
+                <a:spcPts val="0"/>
+              </a:spcAft>
+              <a:buClrTx/>
+              <a:buSzTx/>
+              <a:buFontTx/>
+              <a:buNone/>
+              <a:tabLst/>
+              <a:defRPr sz="8000" b="0" i="0" u="none" strike="noStrike" cap="none" spc="0" baseline="0">
+                <a:ln>
+                  <a:noFill/>
+                </a:ln>
+                <a:solidFill>
+                  <a:srgbClr val="FFFFFF"/>
+                </a:solidFill>
+                <a:uFillTx/>
+                <a:latin typeface="+mn-lt"/>
+                <a:ea typeface="+mn-ea"/>
+                <a:cs typeface="+mn-cs"/>
+                <a:sym typeface="Helvetica Light"/>
+              </a:defRPr>
+            </a:lvl7pPr>
+            <a:lvl8pPr marL="0" marR="0" indent="1600200" algn="ctr" defTabSz="584200" rtl="0" latinLnBrk="0">
+              <a:lnSpc>
+                <a:spcPct val="100000"/>
+              </a:lnSpc>
+              <a:spcBef>
+                <a:spcPts val="0"/>
+              </a:spcBef>
+              <a:spcAft>
+                <a:spcPts val="0"/>
+              </a:spcAft>
+              <a:buClrTx/>
+              <a:buSzTx/>
+              <a:buFontTx/>
+              <a:buNone/>
+              <a:tabLst/>
+              <a:defRPr sz="8000" b="0" i="0" u="none" strike="noStrike" cap="none" spc="0" baseline="0">
+                <a:ln>
+                  <a:noFill/>
+                </a:ln>
+                <a:solidFill>
+                  <a:srgbClr val="FFFFFF"/>
+                </a:solidFill>
+                <a:uFillTx/>
+                <a:latin typeface="+mn-lt"/>
+                <a:ea typeface="+mn-ea"/>
+                <a:cs typeface="+mn-cs"/>
+                <a:sym typeface="Helvetica Light"/>
+              </a:defRPr>
+            </a:lvl8pPr>
+            <a:lvl9pPr marL="0" marR="0" indent="1828800" algn="ctr" defTabSz="584200" rtl="0" latinLnBrk="0">
+              <a:lnSpc>
+                <a:spcPct val="100000"/>
+              </a:lnSpc>
+              <a:spcBef>
+                <a:spcPts val="0"/>
+              </a:spcBef>
+              <a:spcAft>
+                <a:spcPts val="0"/>
+              </a:spcAft>
+              <a:buClrTx/>
+              <a:buSzTx/>
+              <a:buFontTx/>
+              <a:buNone/>
+              <a:tabLst/>
+              <a:defRPr sz="8000" b="0" i="0" u="none" strike="noStrike" cap="none" spc="0" baseline="0">
+                <a:ln>
+                  <a:noFill/>
+                </a:ln>
+                <a:solidFill>
+                  <a:srgbClr val="FFFFFF"/>
+                </a:solidFill>
+                <a:uFillTx/>
+                <a:latin typeface="+mn-lt"/>
+                <a:ea typeface="+mn-ea"/>
+                <a:cs typeface="+mn-cs"/>
+                <a:sym typeface="Helvetica Light"/>
+              </a:defRPr>
+            </a:lvl9pPr>
+          </a:lstStyle>
+          <a:p>
+            <a:pPr hangingPunct="1"/>
+            <a:r>
+              <a:rPr lang="zh-CN" altLang="en-US" dirty="0" smtClean="0"/>
+              <a:t>三</a:t>
+            </a:r>
+            <a:r>
+              <a:rPr lang="zh-CN" altLang="en-US" dirty="0" smtClean="0"/>
+              <a:t>、</a:t>
+            </a:r>
+            <a:r>
+              <a:rPr lang="en-US" altLang="zh-CN" dirty="0" smtClean="0"/>
+              <a:t>SKU</a:t>
+            </a:r>
+            <a:r>
+              <a:rPr lang="zh-CN" altLang="en-US" dirty="0" smtClean="0"/>
+              <a:t>平均</a:t>
+            </a:r>
+            <a:r>
+              <a:rPr lang="zh-CN" altLang="en-US" dirty="0" smtClean="0"/>
+              <a:t>完成时间</a:t>
+            </a:r>
+            <a:endParaRPr lang="zh-CN" altLang="en-US" dirty="0"/>
+          </a:p>
+        </p:txBody>
+      </p:sp>
     </p:spTree>
     <p:extLst>
       <p:ext uri="{BB962C8B-B14F-4D97-AF65-F5344CB8AC3E}">
@@ -14551,7 +13792,7 @@
           </a:ln>
           <a:extLst>
             <a:ext uri="{C572A759-6A51-4108-AA02-DFA0A04FC94B}">
-              <ma14:wrappingTextBoxFlag xmlns:ma14="http://schemas.microsoft.com/office/mac/drawingml/2011/main" val="1"/>
+              <ma14:wrappingTextBoxFlag xmlns:ma14="http://schemas.microsoft.com/office/mac/drawingml/2011/main" xmlns="" val="1"/>
             </a:ext>
           </a:extLst>
         </p:spPr>
@@ -14826,11 +14067,15 @@
             <a:pPr hangingPunct="1"/>
             <a:r>
               <a:rPr lang="zh-CN" altLang="en-US" dirty="0"/>
-              <a:t>五</a:t>
+              <a:t>四</a:t>
             </a:r>
             <a:r>
               <a:rPr lang="zh-CN" altLang="en-US" dirty="0" smtClean="0"/>
-              <a:t>、进入用户数量</a:t>
+              <a:t>、</a:t>
+            </a:r>
+            <a:r>
+              <a:rPr lang="zh-CN" altLang="en-US" dirty="0" smtClean="0"/>
+              <a:t>进入用户数量</a:t>
             </a:r>
             <a:endParaRPr lang="en-US" altLang="zh-CN" dirty="0" smtClean="0"/>
           </a:p>
@@ -14843,14 +14088,14 @@
           <p:nvPr>
             <p:extLst>
               <p:ext uri="{D42A27DB-BD31-4B8C-83A1-F6EECF244321}">
-                <p14:modId xmlns:p14="http://schemas.microsoft.com/office/powerpoint/2010/main" val="286861540"/>
+                <p14:modId xmlns:p14="http://schemas.microsoft.com/office/powerpoint/2010/main" val="522132579"/>
               </p:ext>
             </p:extLst>
           </p:nvPr>
         </p:nvGraphicFramePr>
         <p:xfrm>
-          <a:off x="2167466" y="1986844"/>
-          <a:ext cx="8669867" cy="5779911"/>
+          <a:off x="1270000" y="2720940"/>
+          <a:ext cx="10685649" cy="6435939"/>
         </p:xfrm>
         <a:graphic>
           <a:graphicData uri="http://schemas.openxmlformats.org/drawingml/2006/chart">
@@ -14858,6 +14103,65 @@
           </a:graphicData>
         </a:graphic>
       </p:graphicFrame>
+      <p:sp>
+        <p:nvSpPr>
+          <p:cNvPr id="4" name="1、新增活跃用户占比：22%"/>
+          <p:cNvSpPr txBox="1"/>
+          <p:nvPr/>
+        </p:nvSpPr>
+        <p:spPr>
+          <a:xfrm>
+            <a:off x="2228043" y="1671796"/>
+            <a:ext cx="6052939" cy="595035"/>
+          </a:xfrm>
+          <a:prstGeom prst="rect">
+            <a:avLst/>
+          </a:prstGeom>
+          <a:ln w="12700">
+            <a:miter lim="400000"/>
+          </a:ln>
+          <a:extLst>
+            <a:ext uri="{C572A759-6A51-4108-AA02-DFA0A04FC94B}">
+              <ma14:wrappingTextBoxFlag xmlns:ma14="http://schemas.microsoft.com/office/mac/drawingml/2011/main" xmlns="" val="1"/>
+            </a:ext>
+          </a:extLst>
+        </p:spPr>
+        <p:txBody>
+          <a:bodyPr wrap="none" lIns="50800" tIns="50800" rIns="50800" bIns="50800" anchor="ctr">
+            <a:spAutoFit/>
+          </a:bodyPr>
+          <a:lstStyle>
+            <a:lvl1pPr>
+              <a:defRPr sz="3600">
+                <a:latin typeface="Heiti SC Light"/>
+                <a:ea typeface="Heiti SC Light"/>
+                <a:cs typeface="Heiti SC Light"/>
+                <a:sym typeface="Heiti SC Light"/>
+              </a:defRPr>
+            </a:lvl1pPr>
+          </a:lstStyle>
+          <a:p>
+            <a:pPr algn="l"/>
+            <a:r>
+              <a:rPr lang="zh-CN" altLang="en-US" sz="3200" dirty="0" smtClean="0"/>
+              <a:t>进入</a:t>
+            </a:r>
+            <a:r>
+              <a:rPr lang="en-US" altLang="zh-CN" sz="3200" dirty="0" smtClean="0"/>
+              <a:t>SKU</a:t>
+            </a:r>
+            <a:r>
+              <a:rPr lang="zh-CN" altLang="en-US" sz="3200" dirty="0" smtClean="0"/>
+              <a:t>的用户数排行如下：前</a:t>
+            </a:r>
+            <a:r>
+              <a:rPr lang="en-US" altLang="zh-CN" sz="3200" dirty="0" smtClean="0"/>
+              <a:t>10</a:t>
+            </a:r>
+            <a:endParaRPr lang="en-US" altLang="zh-CN" sz="3200" dirty="0" smtClean="0"/>
+          </a:p>
+        </p:txBody>
+      </p:sp>
     </p:spTree>
     <p:extLst>
       <p:ext uri="{BB962C8B-B14F-4D97-AF65-F5344CB8AC3E}">
@@ -14910,7 +14214,7 @@
           </a:ln>
           <a:extLst>
             <a:ext uri="{C572A759-6A51-4108-AA02-DFA0A04FC94B}">
-              <ma14:wrappingTextBoxFlag xmlns:ma14="http://schemas.microsoft.com/office/mac/drawingml/2011/main" val="1"/>
+              <ma14:wrappingTextBoxFlag xmlns:ma14="http://schemas.microsoft.com/office/mac/drawingml/2011/main" xmlns="" val="1"/>
             </a:ext>
           </a:extLst>
         </p:spPr>
@@ -15185,11 +14489,15 @@
             <a:pPr hangingPunct="1"/>
             <a:r>
               <a:rPr lang="zh-CN" altLang="en-US" dirty="0"/>
-              <a:t>五</a:t>
+              <a:t>四</a:t>
             </a:r>
             <a:r>
               <a:rPr lang="zh-CN" altLang="en-US" dirty="0" smtClean="0"/>
-              <a:t>、进入用户数量</a:t>
+              <a:t>、</a:t>
+            </a:r>
+            <a:r>
+              <a:rPr lang="zh-CN" altLang="en-US" dirty="0" smtClean="0"/>
+              <a:t>进入用户数量</a:t>
             </a:r>
             <a:endParaRPr lang="en-US" altLang="zh-CN" dirty="0" smtClean="0"/>
           </a:p>
@@ -15202,14 +14510,14 @@
           <p:nvPr>
             <p:extLst>
               <p:ext uri="{D42A27DB-BD31-4B8C-83A1-F6EECF244321}">
-                <p14:modId xmlns:p14="http://schemas.microsoft.com/office/powerpoint/2010/main" val="1611107630"/>
+                <p14:modId xmlns:p14="http://schemas.microsoft.com/office/powerpoint/2010/main" val="923402783"/>
               </p:ext>
             </p:extLst>
           </p:nvPr>
         </p:nvGraphicFramePr>
         <p:xfrm>
-          <a:off x="2167466" y="1986844"/>
-          <a:ext cx="8669867" cy="5779911"/>
+          <a:off x="459583" y="2828263"/>
+          <a:ext cx="11981407" cy="6925337"/>
         </p:xfrm>
         <a:graphic>
           <a:graphicData uri="http://schemas.openxmlformats.org/drawingml/2006/chart">
@@ -15217,6 +14525,65 @@
           </a:graphicData>
         </a:graphic>
       </p:graphicFrame>
+      <p:sp>
+        <p:nvSpPr>
+          <p:cNvPr id="8" name="1、新增活跃用户占比：22%"/>
+          <p:cNvSpPr txBox="1"/>
+          <p:nvPr/>
+        </p:nvSpPr>
+        <p:spPr>
+          <a:xfrm>
+            <a:off x="2228043" y="1671796"/>
+            <a:ext cx="6258123" cy="595035"/>
+          </a:xfrm>
+          <a:prstGeom prst="rect">
+            <a:avLst/>
+          </a:prstGeom>
+          <a:ln w="12700">
+            <a:miter lim="400000"/>
+          </a:ln>
+          <a:extLst>
+            <a:ext uri="{C572A759-6A51-4108-AA02-DFA0A04FC94B}">
+              <ma14:wrappingTextBoxFlag xmlns:ma14="http://schemas.microsoft.com/office/mac/drawingml/2011/main" xmlns="" val="1"/>
+            </a:ext>
+          </a:extLst>
+        </p:spPr>
+        <p:txBody>
+          <a:bodyPr wrap="none" lIns="50800" tIns="50800" rIns="50800" bIns="50800" anchor="ctr">
+            <a:spAutoFit/>
+          </a:bodyPr>
+          <a:lstStyle>
+            <a:lvl1pPr>
+              <a:defRPr sz="3600">
+                <a:latin typeface="Heiti SC Light"/>
+                <a:ea typeface="Heiti SC Light"/>
+                <a:cs typeface="Heiti SC Light"/>
+                <a:sym typeface="Heiti SC Light"/>
+              </a:defRPr>
+            </a:lvl1pPr>
+          </a:lstStyle>
+          <a:p>
+            <a:pPr algn="l"/>
+            <a:r>
+              <a:rPr lang="zh-CN" altLang="en-US" sz="3200" dirty="0" smtClean="0"/>
+              <a:t>进入</a:t>
+            </a:r>
+            <a:r>
+              <a:rPr lang="en-US" altLang="zh-CN" sz="3200" dirty="0" smtClean="0"/>
+              <a:t>SKU</a:t>
+            </a:r>
+            <a:r>
+              <a:rPr lang="zh-CN" altLang="en-US" sz="3200" dirty="0" smtClean="0"/>
+              <a:t>的用户数排行如下：</a:t>
+            </a:r>
+            <a:r>
+              <a:rPr lang="en-US" altLang="zh-CN" sz="3200" dirty="0" smtClean="0"/>
+              <a:t>11-25</a:t>
+            </a:r>
+            <a:endParaRPr lang="en-US" altLang="zh-CN" sz="3200" dirty="0" smtClean="0"/>
+          </a:p>
+        </p:txBody>
+      </p:sp>
     </p:spTree>
     <p:extLst>
       <p:ext uri="{BB962C8B-B14F-4D97-AF65-F5344CB8AC3E}">
@@ -15269,7 +14636,7 @@
           </a:ln>
           <a:extLst>
             <a:ext uri="{C572A759-6A51-4108-AA02-DFA0A04FC94B}">
-              <ma14:wrappingTextBoxFlag xmlns:ma14="http://schemas.microsoft.com/office/mac/drawingml/2011/main" val="1"/>
+              <ma14:wrappingTextBoxFlag xmlns:ma14="http://schemas.microsoft.com/office/mac/drawingml/2011/main" xmlns="" val="1"/>
             </a:ext>
           </a:extLst>
         </p:spPr>
@@ -15561,14 +14928,14 @@
           <p:nvPr>
             <p:extLst>
               <p:ext uri="{D42A27DB-BD31-4B8C-83A1-F6EECF244321}">
-                <p14:modId xmlns:p14="http://schemas.microsoft.com/office/powerpoint/2010/main" val="1623272289"/>
+                <p14:modId xmlns:p14="http://schemas.microsoft.com/office/powerpoint/2010/main" val="4256520470"/>
               </p:ext>
             </p:extLst>
           </p:nvPr>
         </p:nvGraphicFramePr>
         <p:xfrm>
-          <a:off x="2167466" y="1986844"/>
-          <a:ext cx="8669867" cy="5779911"/>
+          <a:off x="956852" y="2476242"/>
+          <a:ext cx="11226562" cy="7170035"/>
         </p:xfrm>
         <a:graphic>
           <a:graphicData uri="http://schemas.openxmlformats.org/drawingml/2006/chart">
@@ -15576,6 +14943,65 @@
           </a:graphicData>
         </a:graphic>
       </p:graphicFrame>
+      <p:sp>
+        <p:nvSpPr>
+          <p:cNvPr id="4" name="1、新增活跃用户占比：22%"/>
+          <p:cNvSpPr txBox="1"/>
+          <p:nvPr/>
+        </p:nvSpPr>
+        <p:spPr>
+          <a:xfrm>
+            <a:off x="2228043" y="1671796"/>
+            <a:ext cx="6052939" cy="595035"/>
+          </a:xfrm>
+          <a:prstGeom prst="rect">
+            <a:avLst/>
+          </a:prstGeom>
+          <a:ln w="12700">
+            <a:miter lim="400000"/>
+          </a:ln>
+          <a:extLst>
+            <a:ext uri="{C572A759-6A51-4108-AA02-DFA0A04FC94B}">
+              <ma14:wrappingTextBoxFlag xmlns:ma14="http://schemas.microsoft.com/office/mac/drawingml/2011/main" xmlns="" val="1"/>
+            </a:ext>
+          </a:extLst>
+        </p:spPr>
+        <p:txBody>
+          <a:bodyPr wrap="none" lIns="50800" tIns="50800" rIns="50800" bIns="50800" anchor="ctr">
+            <a:spAutoFit/>
+          </a:bodyPr>
+          <a:lstStyle>
+            <a:lvl1pPr>
+              <a:defRPr sz="3600">
+                <a:latin typeface="Heiti SC Light"/>
+                <a:ea typeface="Heiti SC Light"/>
+                <a:cs typeface="Heiti SC Light"/>
+                <a:sym typeface="Heiti SC Light"/>
+              </a:defRPr>
+            </a:lvl1pPr>
+          </a:lstStyle>
+          <a:p>
+            <a:pPr algn="l"/>
+            <a:r>
+              <a:rPr lang="zh-CN" altLang="en-US" sz="3200" dirty="0" smtClean="0"/>
+              <a:t>用户进入该</a:t>
+            </a:r>
+            <a:r>
+              <a:rPr lang="en-US" altLang="zh-CN" sz="3200" dirty="0" smtClean="0"/>
+              <a:t>SKU</a:t>
+            </a:r>
+            <a:r>
+              <a:rPr lang="zh-CN" altLang="en-US" sz="3200" dirty="0" smtClean="0"/>
+              <a:t>的平均次数：前</a:t>
+            </a:r>
+            <a:r>
+              <a:rPr lang="en-US" altLang="zh-CN" sz="3200" dirty="0" smtClean="0"/>
+              <a:t>10</a:t>
+            </a:r>
+            <a:endParaRPr lang="en-US" altLang="zh-CN" sz="3200" dirty="0" smtClean="0"/>
+          </a:p>
+        </p:txBody>
+      </p:sp>
     </p:spTree>
     <p:extLst>
       <p:ext uri="{BB962C8B-B14F-4D97-AF65-F5344CB8AC3E}">
@@ -15628,7 +15054,7 @@
           </a:ln>
           <a:extLst>
             <a:ext uri="{C572A759-6A51-4108-AA02-DFA0A04FC94B}">
-              <ma14:wrappingTextBoxFlag xmlns:ma14="http://schemas.microsoft.com/office/mac/drawingml/2011/main" val="1"/>
+              <ma14:wrappingTextBoxFlag xmlns:ma14="http://schemas.microsoft.com/office/mac/drawingml/2011/main" xmlns="" val="1"/>
             </a:ext>
           </a:extLst>
         </p:spPr>
@@ -15920,14 +15346,14 @@
           <p:nvPr>
             <p:extLst>
               <p:ext uri="{D42A27DB-BD31-4B8C-83A1-F6EECF244321}">
-                <p14:modId xmlns:p14="http://schemas.microsoft.com/office/powerpoint/2010/main" val="1752692377"/>
+                <p14:modId xmlns:p14="http://schemas.microsoft.com/office/powerpoint/2010/main" val="1847079612"/>
               </p:ext>
             </p:extLst>
           </p:nvPr>
         </p:nvGraphicFramePr>
         <p:xfrm>
-          <a:off x="2167466" y="1986844"/>
-          <a:ext cx="8669867" cy="5779911"/>
+          <a:off x="794435" y="2823971"/>
+          <a:ext cx="11929892" cy="6538970"/>
         </p:xfrm>
         <a:graphic>
           <a:graphicData uri="http://schemas.openxmlformats.org/drawingml/2006/chart">
@@ -15935,6 +15361,65 @@
           </a:graphicData>
         </a:graphic>
       </p:graphicFrame>
+      <p:sp>
+        <p:nvSpPr>
+          <p:cNvPr id="4" name="1、新增活跃用户占比：22%"/>
+          <p:cNvSpPr txBox="1"/>
+          <p:nvPr/>
+        </p:nvSpPr>
+        <p:spPr>
+          <a:xfrm>
+            <a:off x="2228043" y="1671796"/>
+            <a:ext cx="6258123" cy="595035"/>
+          </a:xfrm>
+          <a:prstGeom prst="rect">
+            <a:avLst/>
+          </a:prstGeom>
+          <a:ln w="12700">
+            <a:miter lim="400000"/>
+          </a:ln>
+          <a:extLst>
+            <a:ext uri="{C572A759-6A51-4108-AA02-DFA0A04FC94B}">
+              <ma14:wrappingTextBoxFlag xmlns:ma14="http://schemas.microsoft.com/office/mac/drawingml/2011/main" xmlns="" val="1"/>
+            </a:ext>
+          </a:extLst>
+        </p:spPr>
+        <p:txBody>
+          <a:bodyPr wrap="none" lIns="50800" tIns="50800" rIns="50800" bIns="50800" anchor="ctr">
+            <a:spAutoFit/>
+          </a:bodyPr>
+          <a:lstStyle>
+            <a:lvl1pPr>
+              <a:defRPr sz="3600">
+                <a:latin typeface="Heiti SC Light"/>
+                <a:ea typeface="Heiti SC Light"/>
+                <a:cs typeface="Heiti SC Light"/>
+                <a:sym typeface="Heiti SC Light"/>
+              </a:defRPr>
+            </a:lvl1pPr>
+          </a:lstStyle>
+          <a:p>
+            <a:pPr algn="l"/>
+            <a:r>
+              <a:rPr lang="zh-CN" altLang="en-US" sz="3200" dirty="0" smtClean="0"/>
+              <a:t>用户进入该</a:t>
+            </a:r>
+            <a:r>
+              <a:rPr lang="en-US" altLang="zh-CN" sz="3200" dirty="0" smtClean="0"/>
+              <a:t>SKU</a:t>
+            </a:r>
+            <a:r>
+              <a:rPr lang="zh-CN" altLang="en-US" sz="3200" dirty="0" smtClean="0"/>
+              <a:t>的平均次数：</a:t>
+            </a:r>
+            <a:r>
+              <a:rPr lang="en-US" altLang="zh-CN" sz="3200" dirty="0" smtClean="0"/>
+              <a:t>11-25</a:t>
+            </a:r>
+            <a:endParaRPr lang="en-US" altLang="zh-CN" sz="3200" dirty="0" smtClean="0"/>
+          </a:p>
+        </p:txBody>
+      </p:sp>
     </p:spTree>
     <p:extLst>
       <p:ext uri="{BB962C8B-B14F-4D97-AF65-F5344CB8AC3E}">
